--- a/JAVASCRIPT.pptx
+++ b/JAVASCRIPT.pptx
@@ -5,7 +5,7 @@
     <p:sldMasterId id="2147483648" r:id="rId1"/>
   </p:sldMasterIdLst>
   <p:notesMasterIdLst>
-    <p:notesMasterId r:id="rId18"/>
+    <p:notesMasterId r:id="rId24"/>
   </p:notesMasterIdLst>
   <p:sldIdLst>
     <p:sldId id="256" r:id="rId2"/>
@@ -19,11 +19,17 @@
     <p:sldId id="265" r:id="rId10"/>
     <p:sldId id="266" r:id="rId11"/>
     <p:sldId id="267" r:id="rId12"/>
-    <p:sldId id="268" r:id="rId13"/>
-    <p:sldId id="269" r:id="rId14"/>
-    <p:sldId id="270" r:id="rId15"/>
-    <p:sldId id="271" r:id="rId16"/>
-    <p:sldId id="272" r:id="rId17"/>
+    <p:sldId id="274" r:id="rId13"/>
+    <p:sldId id="275" r:id="rId14"/>
+    <p:sldId id="268" r:id="rId15"/>
+    <p:sldId id="277" r:id="rId16"/>
+    <p:sldId id="269" r:id="rId17"/>
+    <p:sldId id="276" r:id="rId18"/>
+    <p:sldId id="278" r:id="rId19"/>
+    <p:sldId id="270" r:id="rId20"/>
+    <p:sldId id="271" r:id="rId21"/>
+    <p:sldId id="272" r:id="rId22"/>
+    <p:sldId id="273" r:id="rId23"/>
   </p:sldIdLst>
   <p:sldSz cx="9144000" cy="6858000" type="screen4x3"/>
   <p:notesSz cx="6858000" cy="9144000"/>
@@ -207,7 +213,8 @@
           <a:p>
             <a:fld id="{82BDEB9D-3781-45A0-A7C0-B17E589252D1}" type="datetimeFigureOut">
               <a:rPr lang="en-US" smtClean="0"/>
-              <a:t>6/24/2015</a:t>
+              <a:pPr/>
+              <a:t>6/25/2015</a:t>
             </a:fld>
             <a:endParaRPr lang="en-US"/>
           </a:p>
@@ -368,6 +375,7 @@
           <a:p>
             <a:fld id="{9017983D-F13D-41E7-BE6E-8F1E4C57BC50}" type="slidenum">
               <a:rPr lang="en-US" smtClean="0"/>
+              <a:pPr/>
               <a:t>‹#›</a:t>
             </a:fld>
             <a:endParaRPr lang="en-US"/>
@@ -539,6 +547,7 @@
           <a:p>
             <a:fld id="{9017983D-F13D-41E7-BE6E-8F1E4C57BC50}" type="slidenum">
               <a:rPr lang="en-US" smtClean="0"/>
+              <a:pPr/>
               <a:t>10</a:t>
             </a:fld>
             <a:endParaRPr lang="en-US"/>
@@ -734,7 +743,8 @@
           <a:p>
             <a:fld id="{43403CA0-C24D-4139-B45F-BDD5C66CCF84}" type="datetimeFigureOut">
               <a:rPr lang="en-US" smtClean="0"/>
-              <a:t>6/23/2015</a:t>
+              <a:pPr/>
+              <a:t>6/25/2015</a:t>
             </a:fld>
             <a:endParaRPr lang="en-US"/>
           </a:p>
@@ -776,6 +786,7 @@
           <a:p>
             <a:fld id="{A1E743E5-991F-45FF-94F6-295D81C00F63}" type="slidenum">
               <a:rPr lang="en-US" smtClean="0"/>
+              <a:pPr/>
               <a:t>‹#›</a:t>
             </a:fld>
             <a:endParaRPr lang="en-US"/>
@@ -899,7 +910,8 @@
           <a:p>
             <a:fld id="{43403CA0-C24D-4139-B45F-BDD5C66CCF84}" type="datetimeFigureOut">
               <a:rPr lang="en-US" smtClean="0"/>
-              <a:t>6/23/2015</a:t>
+              <a:pPr/>
+              <a:t>6/25/2015</a:t>
             </a:fld>
             <a:endParaRPr lang="en-US"/>
           </a:p>
@@ -941,6 +953,7 @@
           <a:p>
             <a:fld id="{A1E743E5-991F-45FF-94F6-295D81C00F63}" type="slidenum">
               <a:rPr lang="en-US" smtClean="0"/>
+              <a:pPr/>
               <a:t>‹#›</a:t>
             </a:fld>
             <a:endParaRPr lang="en-US"/>
@@ -1074,7 +1087,8 @@
           <a:p>
             <a:fld id="{43403CA0-C24D-4139-B45F-BDD5C66CCF84}" type="datetimeFigureOut">
               <a:rPr lang="en-US" smtClean="0"/>
-              <a:t>6/23/2015</a:t>
+              <a:pPr/>
+              <a:t>6/25/2015</a:t>
             </a:fld>
             <a:endParaRPr lang="en-US"/>
           </a:p>
@@ -1116,6 +1130,7 @@
           <a:p>
             <a:fld id="{A1E743E5-991F-45FF-94F6-295D81C00F63}" type="slidenum">
               <a:rPr lang="en-US" smtClean="0"/>
+              <a:pPr/>
               <a:t>‹#›</a:t>
             </a:fld>
             <a:endParaRPr lang="en-US"/>
@@ -1239,7 +1254,8 @@
           <a:p>
             <a:fld id="{43403CA0-C24D-4139-B45F-BDD5C66CCF84}" type="datetimeFigureOut">
               <a:rPr lang="en-US" smtClean="0"/>
-              <a:t>6/23/2015</a:t>
+              <a:pPr/>
+              <a:t>6/25/2015</a:t>
             </a:fld>
             <a:endParaRPr lang="en-US"/>
           </a:p>
@@ -1281,6 +1297,7 @@
           <a:p>
             <a:fld id="{A1E743E5-991F-45FF-94F6-295D81C00F63}" type="slidenum">
               <a:rPr lang="en-US" smtClean="0"/>
+              <a:pPr/>
               <a:t>‹#›</a:t>
             </a:fld>
             <a:endParaRPr lang="en-US"/>
@@ -1480,7 +1497,8 @@
           <a:p>
             <a:fld id="{43403CA0-C24D-4139-B45F-BDD5C66CCF84}" type="datetimeFigureOut">
               <a:rPr lang="en-US" smtClean="0"/>
-              <a:t>6/23/2015</a:t>
+              <a:pPr/>
+              <a:t>6/25/2015</a:t>
             </a:fld>
             <a:endParaRPr lang="en-US"/>
           </a:p>
@@ -1522,6 +1540,7 @@
           <a:p>
             <a:fld id="{A1E743E5-991F-45FF-94F6-295D81C00F63}" type="slidenum">
               <a:rPr lang="en-US" smtClean="0"/>
+              <a:pPr/>
               <a:t>‹#›</a:t>
             </a:fld>
             <a:endParaRPr lang="en-US"/>
@@ -1763,7 +1782,8 @@
           <a:p>
             <a:fld id="{43403CA0-C24D-4139-B45F-BDD5C66CCF84}" type="datetimeFigureOut">
               <a:rPr lang="en-US" smtClean="0"/>
-              <a:t>6/23/2015</a:t>
+              <a:pPr/>
+              <a:t>6/25/2015</a:t>
             </a:fld>
             <a:endParaRPr lang="en-US"/>
           </a:p>
@@ -1805,6 +1825,7 @@
           <a:p>
             <a:fld id="{A1E743E5-991F-45FF-94F6-295D81C00F63}" type="slidenum">
               <a:rPr lang="en-US" smtClean="0"/>
+              <a:pPr/>
               <a:t>‹#›</a:t>
             </a:fld>
             <a:endParaRPr lang="en-US"/>
@@ -2180,7 +2201,8 @@
           <a:p>
             <a:fld id="{43403CA0-C24D-4139-B45F-BDD5C66CCF84}" type="datetimeFigureOut">
               <a:rPr lang="en-US" smtClean="0"/>
-              <a:t>6/23/2015</a:t>
+              <a:pPr/>
+              <a:t>6/25/2015</a:t>
             </a:fld>
             <a:endParaRPr lang="en-US"/>
           </a:p>
@@ -2222,6 +2244,7 @@
           <a:p>
             <a:fld id="{A1E743E5-991F-45FF-94F6-295D81C00F63}" type="slidenum">
               <a:rPr lang="en-US" smtClean="0"/>
+              <a:pPr/>
               <a:t>‹#›</a:t>
             </a:fld>
             <a:endParaRPr lang="en-US"/>
@@ -2293,7 +2316,8 @@
           <a:p>
             <a:fld id="{43403CA0-C24D-4139-B45F-BDD5C66CCF84}" type="datetimeFigureOut">
               <a:rPr lang="en-US" smtClean="0"/>
-              <a:t>6/23/2015</a:t>
+              <a:pPr/>
+              <a:t>6/25/2015</a:t>
             </a:fld>
             <a:endParaRPr lang="en-US"/>
           </a:p>
@@ -2335,6 +2359,7 @@
           <a:p>
             <a:fld id="{A1E743E5-991F-45FF-94F6-295D81C00F63}" type="slidenum">
               <a:rPr lang="en-US" smtClean="0"/>
+              <a:pPr/>
               <a:t>‹#›</a:t>
             </a:fld>
             <a:endParaRPr lang="en-US"/>
@@ -2383,7 +2408,8 @@
           <a:p>
             <a:fld id="{43403CA0-C24D-4139-B45F-BDD5C66CCF84}" type="datetimeFigureOut">
               <a:rPr lang="en-US" smtClean="0"/>
-              <a:t>6/23/2015</a:t>
+              <a:pPr/>
+              <a:t>6/25/2015</a:t>
             </a:fld>
             <a:endParaRPr lang="en-US"/>
           </a:p>
@@ -2425,6 +2451,7 @@
           <a:p>
             <a:fld id="{A1E743E5-991F-45FF-94F6-295D81C00F63}" type="slidenum">
               <a:rPr lang="en-US" smtClean="0"/>
+              <a:pPr/>
               <a:t>‹#›</a:t>
             </a:fld>
             <a:endParaRPr lang="en-US"/>
@@ -2655,7 +2682,8 @@
           <a:p>
             <a:fld id="{43403CA0-C24D-4139-B45F-BDD5C66CCF84}" type="datetimeFigureOut">
               <a:rPr lang="en-US" smtClean="0"/>
-              <a:t>6/23/2015</a:t>
+              <a:pPr/>
+              <a:t>6/25/2015</a:t>
             </a:fld>
             <a:endParaRPr lang="en-US"/>
           </a:p>
@@ -2697,6 +2725,7 @@
           <a:p>
             <a:fld id="{A1E743E5-991F-45FF-94F6-295D81C00F63}" type="slidenum">
               <a:rPr lang="en-US" smtClean="0"/>
+              <a:pPr/>
               <a:t>‹#›</a:t>
             </a:fld>
             <a:endParaRPr lang="en-US"/>
@@ -2903,7 +2932,8 @@
           <a:p>
             <a:fld id="{43403CA0-C24D-4139-B45F-BDD5C66CCF84}" type="datetimeFigureOut">
               <a:rPr lang="en-US" smtClean="0"/>
-              <a:t>6/23/2015</a:t>
+              <a:pPr/>
+              <a:t>6/25/2015</a:t>
             </a:fld>
             <a:endParaRPr lang="en-US"/>
           </a:p>
@@ -2945,6 +2975,7 @@
           <a:p>
             <a:fld id="{A1E743E5-991F-45FF-94F6-295D81C00F63}" type="slidenum">
               <a:rPr lang="en-US" smtClean="0"/>
+              <a:pPr/>
               <a:t>‹#›</a:t>
             </a:fld>
             <a:endParaRPr lang="en-US"/>
@@ -3111,7 +3142,8 @@
           <a:p>
             <a:fld id="{43403CA0-C24D-4139-B45F-BDD5C66CCF84}" type="datetimeFigureOut">
               <a:rPr lang="en-US" smtClean="0"/>
-              <a:t>6/23/2015</a:t>
+              <a:pPr/>
+              <a:t>6/25/2015</a:t>
             </a:fld>
             <a:endParaRPr lang="en-US"/>
           </a:p>
@@ -3189,6 +3221,7 @@
           <a:p>
             <a:fld id="{A1E743E5-991F-45FF-94F6-295D81C00F63}" type="slidenum">
               <a:rPr lang="en-US" smtClean="0"/>
+              <a:pPr/>
               <a:t>‹#›</a:t>
             </a:fld>
             <a:endParaRPr lang="en-US"/>
@@ -3516,10 +3549,46 @@
         </p:nvSpPr>
         <p:spPr/>
         <p:txBody>
-          <a:bodyPr/>
-          <a:lstStyle/>
-          <a:p>
-            <a:endParaRPr lang="en-US"/>
+          <a:bodyPr>
+            <a:normAutofit fontScale="85000" lnSpcReduction="20000"/>
+          </a:bodyPr>
+          <a:lstStyle/>
+          <a:p>
+            <a:r>
+              <a:rPr lang="en-US" dirty="0" err="1" smtClean="0"/>
+              <a:t>Manasa</a:t>
+            </a:r>
+            <a:r>
+              <a:rPr lang="en-US" dirty="0" smtClean="0"/>
+              <a:t> .</a:t>
+            </a:r>
+            <a:r>
+              <a:rPr lang="en-US" dirty="0" err="1" smtClean="0"/>
+              <a:t>Gajulavarthy</a:t>
+            </a:r>
+            <a:endParaRPr lang="en-US" dirty="0" smtClean="0"/>
+          </a:p>
+          <a:p>
+            <a:r>
+              <a:rPr lang="en-US" dirty="0" smtClean="0">
+                <a:hlinkClick r:id="rId2"/>
+              </a:rPr>
+              <a:t>manasagajulavarthy@gmail.com</a:t>
+            </a:r>
+            <a:endParaRPr lang="en-US" dirty="0" smtClean="0"/>
+          </a:p>
+          <a:p>
+            <a:r>
+              <a:rPr lang="en-US" dirty="0" smtClean="0"/>
+              <a:t>Intern at HMIT</a:t>
+            </a:r>
+          </a:p>
+          <a:p>
+            <a:r>
+              <a:rPr lang="en-US" dirty="0" smtClean="0"/>
+              <a:t>24/06/2015</a:t>
+            </a:r>
+            <a:endParaRPr lang="en-US" dirty="0"/>
           </a:p>
         </p:txBody>
       </p:sp>
@@ -3528,6 +3597,13 @@
   <p:clrMapOvr>
     <a:masterClrMapping/>
   </p:clrMapOvr>
+  <p:timing>
+    <p:tnLst>
+      <p:par>
+        <p:cTn id="1" dur="indefinite" restart="never" nodeType="tmRoot"/>
+      </p:par>
+    </p:tnLst>
+  </p:timing>
 </p:sld>
 </file>
 
@@ -3591,16 +3667,6 @@
           <a:lstStyle/>
           <a:p>
             <a:r>
-              <a:rPr lang="en-US" dirty="0"/>
-              <a:t>Event handlers can be used to handle, and verify, user input, user actions, and browser </a:t>
-            </a:r>
-            <a:r>
-              <a:rPr lang="en-US" dirty="0" smtClean="0"/>
-              <a:t>actions.</a:t>
-            </a:r>
-          </a:p>
-          <a:p>
-            <a:r>
               <a:rPr lang="en-US" dirty="0" smtClean="0"/>
               <a:t>Common HTML events are </a:t>
             </a:r>
@@ -3652,7 +3718,17 @@
               <a:rPr lang="en-US" dirty="0" smtClean="0"/>
               <a:t>.</a:t>
             </a:r>
-            <a:endParaRPr lang="en-US" dirty="0"/>
+            <a:endParaRPr lang="en-US" dirty="0" smtClean="0"/>
+          </a:p>
+          <a:p>
+            <a:endParaRPr lang="en-US" dirty="0" smtClean="0"/>
+          </a:p>
+          <a:p>
+            <a:r>
+              <a:rPr lang="en-US" dirty="0" smtClean="0"/>
+              <a:t>Event handlers can be used to handle, and verify, user input, user actions, and browser actions.</a:t>
+            </a:r>
+            <a:endParaRPr lang="en-US" dirty="0" smtClean="0"/>
           </a:p>
         </p:txBody>
       </p:sp>
@@ -3661,6 +3737,13 @@
   <p:clrMapOvr>
     <a:masterClrMapping/>
   </p:clrMapOvr>
+  <p:timing>
+    <p:tnLst>
+      <p:par>
+        <p:cTn id="1" dur="indefinite" restart="never" nodeType="tmRoot"/>
+      </p:par>
+    </p:tnLst>
+  </p:timing>
 </p:sld>
 </file>
 
@@ -3716,12 +3799,14 @@
         </p:nvSpPr>
         <p:spPr/>
         <p:txBody>
-          <a:bodyPr/>
-          <a:lstStyle/>
-          <a:p>
-            <a:r>
-              <a:rPr lang="en-US" dirty="0" smtClean="0"/>
-              <a:t>Length of a string can be found by using string(</a:t>
+          <a:bodyPr>
+            <a:normAutofit/>
+          </a:bodyPr>
+          <a:lstStyle/>
+          <a:p>
+            <a:r>
+              <a:rPr lang="en-US" dirty="0" smtClean="0"/>
+              <a:t>Length of a string can be found by using </a:t>
             </a:r>
             <a:r>
               <a:rPr lang="en-US" dirty="0" err="1" smtClean="0"/>
@@ -3729,22 +3814,70 @@
             </a:r>
             <a:r>
               <a:rPr lang="en-US" dirty="0" smtClean="0"/>
-              <a:t> name).length.</a:t>
-            </a:r>
-          </a:p>
-          <a:p>
-            <a:r>
-              <a:rPr lang="en-US" dirty="0" smtClean="0"/>
-              <a:t>Strings can be objects and objects </a:t>
-            </a:r>
-            <a:r>
-              <a:rPr lang="en-US" dirty="0" err="1" smtClean="0"/>
-              <a:t>cannnot</a:t>
-            </a:r>
-            <a:r>
-              <a:rPr lang="en-US" dirty="0" smtClean="0"/>
-              <a:t> be compared.</a:t>
-            </a:r>
+              <a:t> </a:t>
+            </a:r>
+            <a:r>
+              <a:rPr lang="en-US" dirty="0" err="1" smtClean="0"/>
+              <a:t>name.length</a:t>
+            </a:r>
+            <a:r>
+              <a:rPr lang="en-US" dirty="0" smtClean="0"/>
+              <a:t>.</a:t>
+            </a:r>
+          </a:p>
+          <a:p>
+            <a:pPr>
+              <a:buNone/>
+            </a:pPr>
+            <a:r>
+              <a:rPr lang="en-US" dirty="0" smtClean="0"/>
+              <a:t> </a:t>
+            </a:r>
+            <a:r>
+              <a:rPr lang="en-US" dirty="0" smtClean="0"/>
+              <a:t>   Ex: </a:t>
+            </a:r>
+            <a:r>
+              <a:rPr lang="en-US" dirty="0" err="1" smtClean="0"/>
+              <a:t>var</a:t>
+            </a:r>
+            <a:r>
+              <a:rPr lang="en-US" dirty="0" smtClean="0"/>
+              <a:t> x = “string”</a:t>
+            </a:r>
+          </a:p>
+          <a:p>
+            <a:pPr>
+              <a:buNone/>
+            </a:pPr>
+            <a:r>
+              <a:rPr lang="en-US" dirty="0" smtClean="0"/>
+              <a:t> </a:t>
+            </a:r>
+            <a:r>
+              <a:rPr lang="en-US" dirty="0" smtClean="0"/>
+              <a:t>          </a:t>
+            </a:r>
+            <a:r>
+              <a:rPr lang="en-US" dirty="0" err="1" smtClean="0"/>
+              <a:t>var</a:t>
+            </a:r>
+            <a:r>
+              <a:rPr lang="en-US" dirty="0" smtClean="0"/>
+              <a:t> l =  </a:t>
+            </a:r>
+            <a:r>
+              <a:rPr lang="en-US" dirty="0" err="1" smtClean="0"/>
+              <a:t>x.length</a:t>
+            </a:r>
+            <a:endParaRPr lang="en-US" dirty="0" smtClean="0"/>
+          </a:p>
+          <a:p>
+            <a:r>
+              <a:rPr lang="en-US" dirty="0" smtClean="0"/>
+              <a:t>Strings can be objects.</a:t>
+            </a:r>
+            <a:endParaRPr lang="en-US" dirty="0" smtClean="0"/>
           </a:p>
           <a:p>
             <a:r>
@@ -3757,7 +3890,15 @@
             </a:r>
             <a:r>
               <a:rPr lang="en-US" dirty="0" smtClean="0"/>
-              <a:t>, search, slice, substring, </a:t>
+              <a:t>, search</a:t>
+            </a:r>
+            <a:r>
+              <a:rPr lang="en-US" dirty="0" smtClean="0"/>
+              <a:t>, slice, </a:t>
+            </a:r>
+            <a:r>
+              <a:rPr lang="en-US" dirty="0" smtClean="0"/>
+              <a:t>substring, </a:t>
             </a:r>
             <a:r>
               <a:rPr lang="en-US" dirty="0" err="1" smtClean="0"/>
@@ -3773,7 +3914,15 @@
             </a:r>
             <a:r>
               <a:rPr lang="en-US" dirty="0" smtClean="0"/>
-              <a:t> etc… to manipulate them.</a:t>
+              <a:t> </a:t>
+            </a:r>
+            <a:r>
+              <a:rPr lang="en-US" dirty="0" smtClean="0"/>
+              <a:t>etc… </a:t>
+            </a:r>
+            <a:r>
+              <a:rPr lang="en-US" dirty="0" smtClean="0"/>
+              <a:t>to manipulate them.</a:t>
             </a:r>
             <a:endParaRPr lang="en-US" dirty="0"/>
           </a:p>
@@ -3784,6 +3933,13 @@
   <p:clrMapOvr>
     <a:masterClrMapping/>
   </p:clrMapOvr>
+  <p:timing>
+    <p:tnLst>
+      <p:par>
+        <p:cTn id="1" dur="indefinite" restart="never" nodeType="tmRoot"/>
+      </p:par>
+    </p:tnLst>
+  </p:timing>
 </p:sld>
 </file>
 
@@ -3821,7 +3977,7 @@
           <a:p>
             <a:r>
               <a:rPr lang="en-US" dirty="0" smtClean="0"/>
-              <a:t>Numbers</a:t>
+              <a:t>String Methods</a:t>
             </a:r>
             <a:endParaRPr lang="en-US" dirty="0"/>
           </a:p>
@@ -3839,56 +3995,139 @@
         </p:nvSpPr>
         <p:spPr/>
         <p:txBody>
-          <a:bodyPr/>
-          <a:lstStyle/>
-          <a:p>
-            <a:r>
-              <a:rPr lang="en-US" dirty="0" smtClean="0"/>
-              <a:t>Hexadecimals – if constants are preceded by 0x</a:t>
-            </a:r>
-          </a:p>
-          <a:p>
-            <a:r>
-              <a:rPr lang="en-US" dirty="0" err="1" smtClean="0"/>
-              <a:t>NaN</a:t>
-            </a:r>
-            <a:r>
-              <a:rPr lang="en-US" dirty="0" smtClean="0"/>
-              <a:t> – Not a Number</a:t>
-            </a:r>
-          </a:p>
-          <a:p>
-            <a:r>
-              <a:rPr lang="en-US" dirty="0" smtClean="0"/>
-              <a:t>Infinity and –Infinity is returned if the limit exceeds.</a:t>
-            </a:r>
-          </a:p>
-          <a:p>
-            <a:r>
-              <a:rPr lang="en-US" dirty="0" smtClean="0"/>
-              <a:t>Numbers also can be objects.</a:t>
-            </a:r>
-          </a:p>
-          <a:p>
-            <a:r>
-              <a:rPr lang="en-US" dirty="0" smtClean="0"/>
-              <a:t>There are various Number methods such as </a:t>
-            </a:r>
-            <a:r>
-              <a:rPr lang="en-US" dirty="0" err="1" smtClean="0"/>
-              <a:t>parseInt</a:t>
-            </a:r>
-            <a:r>
-              <a:rPr lang="en-US" dirty="0" smtClean="0"/>
-              <a:t>(), </a:t>
-            </a:r>
-            <a:r>
-              <a:rPr lang="en-US" dirty="0" err="1" smtClean="0"/>
-              <a:t>toString</a:t>
-            </a:r>
-            <a:r>
-              <a:rPr lang="en-US" dirty="0" smtClean="0"/>
-              <a:t>() etc..</a:t>
+          <a:bodyPr>
+            <a:normAutofit fontScale="92500" lnSpcReduction="20000"/>
+          </a:bodyPr>
+          <a:lstStyle/>
+          <a:p>
+            <a:r>
+              <a:rPr lang="en-US" dirty="0" err="1" smtClean="0"/>
+              <a:t>indexOf</a:t>
+            </a:r>
+            <a:r>
+              <a:rPr lang="en-US" dirty="0" smtClean="0"/>
+              <a:t> – returns the index of the occurrence of the specified text in a string.</a:t>
+            </a:r>
+          </a:p>
+          <a:p>
+            <a:pPr>
+              <a:buNone/>
+            </a:pPr>
+            <a:r>
+              <a:rPr lang="en-US" dirty="0" smtClean="0"/>
+              <a:t> </a:t>
+            </a:r>
+            <a:r>
+              <a:rPr lang="en-US" dirty="0" smtClean="0"/>
+              <a:t>    </a:t>
+            </a:r>
+            <a:r>
+              <a:rPr lang="en-US" dirty="0" err="1" smtClean="0"/>
+              <a:t>var</a:t>
+            </a:r>
+            <a:r>
+              <a:rPr lang="en-US" dirty="0" smtClean="0"/>
+              <a:t>  </a:t>
+            </a:r>
+            <a:r>
+              <a:rPr lang="en-US" dirty="0" err="1" smtClean="0"/>
+              <a:t>str</a:t>
+            </a:r>
+            <a:r>
+              <a:rPr lang="en-US" dirty="0" smtClean="0"/>
+              <a:t> = “ This is a company”</a:t>
+            </a:r>
+          </a:p>
+          <a:p>
+            <a:pPr>
+              <a:buNone/>
+            </a:pPr>
+            <a:r>
+              <a:rPr lang="en-US" dirty="0" smtClean="0"/>
+              <a:t> </a:t>
+            </a:r>
+            <a:r>
+              <a:rPr lang="en-US" dirty="0" smtClean="0"/>
+              <a:t>    </a:t>
+            </a:r>
+            <a:r>
+              <a:rPr lang="en-US" dirty="0" err="1" smtClean="0"/>
+              <a:t>var</a:t>
+            </a:r>
+            <a:r>
+              <a:rPr lang="en-US" dirty="0" smtClean="0"/>
+              <a:t> pos =  </a:t>
+            </a:r>
+            <a:r>
+              <a:rPr lang="en-US" dirty="0" err="1" smtClean="0"/>
+              <a:t>str.indexOf</a:t>
+            </a:r>
+            <a:r>
+              <a:rPr lang="en-US" dirty="0" smtClean="0"/>
+              <a:t>(“a”)</a:t>
+            </a:r>
+          </a:p>
+          <a:p>
+            <a:r>
+              <a:rPr lang="en-US" dirty="0" smtClean="0"/>
+              <a:t>s</a:t>
+            </a:r>
+            <a:r>
+              <a:rPr lang="en-US" dirty="0" smtClean="0"/>
+              <a:t>lice – extracts a part of string </a:t>
+            </a:r>
+          </a:p>
+          <a:p>
+            <a:pPr>
+              <a:buNone/>
+            </a:pPr>
+            <a:r>
+              <a:rPr lang="en-US" dirty="0" smtClean="0"/>
+              <a:t> </a:t>
+            </a:r>
+            <a:r>
+              <a:rPr lang="en-US" dirty="0" smtClean="0"/>
+              <a:t>    </a:t>
+            </a:r>
+            <a:r>
+              <a:rPr lang="en-US" dirty="0" err="1" smtClean="0"/>
+              <a:t>var</a:t>
+            </a:r>
+            <a:r>
+              <a:rPr lang="en-US" dirty="0" smtClean="0"/>
+              <a:t> res = </a:t>
+            </a:r>
+            <a:r>
+              <a:rPr lang="en-US" dirty="0" err="1" smtClean="0"/>
+              <a:t>str.slice</a:t>
+            </a:r>
+            <a:r>
+              <a:rPr lang="en-US" dirty="0" smtClean="0"/>
+              <a:t>(5,10)</a:t>
+            </a:r>
+          </a:p>
+          <a:p>
+            <a:r>
+              <a:rPr lang="en-US" dirty="0" smtClean="0"/>
+              <a:t>s</a:t>
+            </a:r>
+            <a:r>
+              <a:rPr lang="en-US" dirty="0" smtClean="0"/>
+              <a:t>ubstring – similar to slice but it cannot accept negative values.</a:t>
+            </a:r>
+          </a:p>
+          <a:p>
+            <a:r>
+              <a:rPr lang="en-US" dirty="0" err="1" smtClean="0"/>
+              <a:t>s</a:t>
+            </a:r>
+            <a:r>
+              <a:rPr lang="en-US" dirty="0" err="1" smtClean="0"/>
+              <a:t>ubstr</a:t>
+            </a:r>
+            <a:r>
+              <a:rPr lang="en-US" dirty="0" smtClean="0"/>
+              <a:t> – similar to slice but the second parameter is the length of the extracted part.</a:t>
             </a:r>
             <a:endParaRPr lang="en-US" dirty="0"/>
           </a:p>
@@ -3934,10 +4173,6 @@
           <a:bodyPr/>
           <a:lstStyle/>
           <a:p>
-            <a:r>
-              <a:rPr lang="en-US" dirty="0" smtClean="0"/>
-              <a:t>Arrays</a:t>
-            </a:r>
             <a:endParaRPr lang="en-US" dirty="0"/>
           </a:p>
         </p:txBody>
@@ -3954,12 +4189,70 @@
         </p:nvSpPr>
         <p:spPr/>
         <p:txBody>
-          <a:bodyPr/>
-          <a:lstStyle/>
-          <a:p>
-            <a:r>
-              <a:rPr lang="en-US" dirty="0" smtClean="0"/>
-              <a:t>Creating an array- </a:t>
+          <a:bodyPr>
+            <a:normAutofit fontScale="92500" lnSpcReduction="10000"/>
+          </a:bodyPr>
+          <a:lstStyle/>
+          <a:p>
+            <a:r>
+              <a:rPr lang="en-US" dirty="0" smtClean="0"/>
+              <a:t>replace – replaces a specified value with other value in the string.</a:t>
+            </a:r>
+          </a:p>
+          <a:p>
+            <a:pPr>
+              <a:buNone/>
+            </a:pPr>
+            <a:r>
+              <a:rPr lang="en-US" dirty="0" smtClean="0"/>
+              <a:t> </a:t>
+            </a:r>
+            <a:r>
+              <a:rPr lang="en-US" dirty="0" smtClean="0"/>
+              <a:t>   </a:t>
+            </a:r>
+            <a:r>
+              <a:rPr lang="en-US" dirty="0" err="1" smtClean="0"/>
+              <a:t>str.replace</a:t>
+            </a:r>
+            <a:r>
+              <a:rPr lang="en-US" dirty="0" smtClean="0"/>
+              <a:t>(“</a:t>
+            </a:r>
+            <a:r>
+              <a:rPr lang="en-US" dirty="0" err="1" smtClean="0"/>
+              <a:t>a”,”the</a:t>
+            </a:r>
+            <a:r>
+              <a:rPr lang="en-US" dirty="0" smtClean="0"/>
+              <a:t>”)</a:t>
+            </a:r>
+          </a:p>
+          <a:p>
+            <a:r>
+              <a:rPr lang="en-US" dirty="0" err="1" smtClean="0"/>
+              <a:t>c</a:t>
+            </a:r>
+            <a:r>
+              <a:rPr lang="en-US" dirty="0" err="1" smtClean="0"/>
+              <a:t>oncat</a:t>
+            </a:r>
+            <a:r>
+              <a:rPr lang="en-US" dirty="0" smtClean="0"/>
+              <a:t>   - join two or more strings.</a:t>
+            </a:r>
+          </a:p>
+          <a:p>
+            <a:pPr>
+              <a:buNone/>
+            </a:pPr>
+            <a:r>
+              <a:rPr lang="en-US" dirty="0" smtClean="0"/>
+              <a:t> </a:t>
+            </a:r>
+            <a:r>
+              <a:rPr lang="en-US" dirty="0" smtClean="0"/>
+              <a:t>  </a:t>
             </a:r>
             <a:r>
               <a:rPr lang="en-US" dirty="0" err="1" smtClean="0"/>
@@ -3967,38 +4260,51 @@
             </a:r>
             <a:r>
               <a:rPr lang="en-US" dirty="0" smtClean="0"/>
-              <a:t> fruits = [“apple”, ”orange”];</a:t>
-            </a:r>
-          </a:p>
-          <a:p>
-            <a:r>
-              <a:rPr lang="en-US" dirty="0" smtClean="0"/>
-              <a:t>Length of the array – </a:t>
-            </a:r>
-            <a:r>
-              <a:rPr lang="en-US" dirty="0" err="1" smtClean="0"/>
-              <a:t>fruits.length</a:t>
-            </a:r>
-            <a:endParaRPr lang="en-US" dirty="0" smtClean="0"/>
-          </a:p>
-          <a:p>
-            <a:r>
-              <a:rPr lang="en-US" dirty="0" smtClean="0"/>
-              <a:t>Accessing array </a:t>
-            </a:r>
-            <a:r>
-              <a:rPr lang="en-US" dirty="0" err="1" smtClean="0"/>
-              <a:t>elemets</a:t>
-            </a:r>
-            <a:r>
-              <a:rPr lang="en-US" dirty="0" smtClean="0"/>
-              <a:t> fruits[index]</a:t>
-            </a:r>
-          </a:p>
-          <a:p>
-            <a:r>
-              <a:rPr lang="en-US" dirty="0" smtClean="0"/>
-              <a:t>We can use various array methods such as push, pop, reverse, sort, join, slice etc.. </a:t>
+              <a:t> text1 = “hello”</a:t>
+            </a:r>
+          </a:p>
+          <a:p>
+            <a:pPr>
+              <a:buNone/>
+            </a:pPr>
+            <a:r>
+              <a:rPr lang="en-US" dirty="0" smtClean="0"/>
+              <a:t> </a:t>
+            </a:r>
+            <a:r>
+              <a:rPr lang="en-US" dirty="0" smtClean="0"/>
+              <a:t>  </a:t>
+            </a:r>
+            <a:r>
+              <a:rPr lang="en-US" dirty="0" err="1" smtClean="0"/>
+              <a:t>var</a:t>
+            </a:r>
+            <a:r>
+              <a:rPr lang="en-US" dirty="0" smtClean="0"/>
+              <a:t> text2 = “world”</a:t>
+            </a:r>
+          </a:p>
+          <a:p>
+            <a:pPr>
+              <a:buNone/>
+            </a:pPr>
+            <a:r>
+              <a:rPr lang="en-US" dirty="0" smtClean="0"/>
+              <a:t> </a:t>
+            </a:r>
+            <a:r>
+              <a:rPr lang="en-US" dirty="0" smtClean="0"/>
+              <a:t>  text3 = text1.concat(text2) </a:t>
+            </a:r>
+          </a:p>
+          <a:p>
+            <a:r>
+              <a:rPr lang="en-US" dirty="0" err="1" smtClean="0"/>
+              <a:t>charAt</a:t>
+            </a:r>
+            <a:r>
+              <a:rPr lang="en-US" dirty="0" smtClean="0"/>
+              <a:t>() – specifies character at specified index (position) in a string.</a:t>
             </a:r>
             <a:endParaRPr lang="en-US" dirty="0"/>
           </a:p>
@@ -4046,7 +4352,7 @@
           <a:p>
             <a:r>
               <a:rPr lang="en-US" dirty="0" smtClean="0"/>
-              <a:t>Control statements</a:t>
+              <a:t>Numbers</a:t>
             </a:r>
             <a:endParaRPr lang="en-US" dirty="0"/>
           </a:p>
@@ -4068,52 +4374,52 @@
           <a:lstStyle/>
           <a:p>
             <a:r>
-              <a:rPr lang="en-US" dirty="0"/>
-              <a:t>i</a:t>
-            </a:r>
-            <a:r>
-              <a:rPr lang="en-US" dirty="0" smtClean="0"/>
-              <a:t>f</a:t>
-            </a:r>
-          </a:p>
-          <a:p>
-            <a:r>
-              <a:rPr lang="en-US" dirty="0" smtClean="0"/>
-              <a:t>while</a:t>
-            </a:r>
-          </a:p>
-          <a:p>
-            <a:r>
-              <a:rPr lang="en-US" dirty="0"/>
-              <a:t>f</a:t>
-            </a:r>
-            <a:r>
-              <a:rPr lang="en-US" dirty="0" smtClean="0"/>
-              <a:t>or</a:t>
-            </a:r>
-          </a:p>
-          <a:p>
-            <a:r>
-              <a:rPr lang="en-US" dirty="0"/>
-              <a:t>s</a:t>
-            </a:r>
-            <a:r>
-              <a:rPr lang="en-US" dirty="0" smtClean="0"/>
-              <a:t>witch</a:t>
-            </a:r>
-          </a:p>
-          <a:p>
-            <a:pPr>
-              <a:buFont typeface="Wingdings" pitchFamily="2" charset="2"/>
-              <a:buChar char="Ø"/>
-            </a:pPr>
-            <a:r>
-              <a:rPr lang="en-US" dirty="0"/>
-              <a:t> </a:t>
-            </a:r>
-            <a:r>
-              <a:rPr lang="en-US" dirty="0" smtClean="0"/>
-              <a:t>Everything is same as in C language.</a:t>
+              <a:rPr lang="en-US" dirty="0" smtClean="0"/>
+              <a:t>Hexadecimals – if constants are preceded by 0x</a:t>
+            </a:r>
+          </a:p>
+          <a:p>
+            <a:r>
+              <a:rPr lang="en-US" dirty="0" err="1" smtClean="0"/>
+              <a:t>NaN</a:t>
+            </a:r>
+            <a:r>
+              <a:rPr lang="en-US" dirty="0" smtClean="0"/>
+              <a:t> – Not a Number</a:t>
+            </a:r>
+          </a:p>
+          <a:p>
+            <a:r>
+              <a:rPr lang="en-US" dirty="0" smtClean="0"/>
+              <a:t>Infinity and –Infinity is returned if the limit exceeds.</a:t>
+            </a:r>
+          </a:p>
+          <a:p>
+            <a:r>
+              <a:rPr lang="en-US" dirty="0" smtClean="0"/>
+              <a:t>Numbers also can be objects.</a:t>
+            </a:r>
+          </a:p>
+          <a:p>
+            <a:r>
+              <a:rPr lang="en-US" dirty="0" smtClean="0"/>
+              <a:t>There are various Number methods such as </a:t>
+            </a:r>
+            <a:r>
+              <a:rPr lang="en-US" dirty="0" err="1" smtClean="0"/>
+              <a:t>parseInt</a:t>
+            </a:r>
+            <a:r>
+              <a:rPr lang="en-US" dirty="0" smtClean="0"/>
+              <a:t>(), </a:t>
+            </a:r>
+            <a:r>
+              <a:rPr lang="en-US" dirty="0" err="1" smtClean="0"/>
+              <a:t>toString</a:t>
+            </a:r>
+            <a:r>
+              <a:rPr lang="en-US" dirty="0" smtClean="0"/>
+              <a:t>() etc..</a:t>
             </a:r>
             <a:endParaRPr lang="en-US" dirty="0"/>
           </a:p>
@@ -4124,6 +4430,13 @@
   <p:clrMapOvr>
     <a:masterClrMapping/>
   </p:clrMapOvr>
+  <p:timing>
+    <p:tnLst>
+      <p:par>
+        <p:cTn id="1" dur="indefinite" restart="never" nodeType="tmRoot"/>
+      </p:par>
+    </p:tnLst>
+  </p:timing>
 </p:sld>
 </file>
 
@@ -4161,7 +4474,7 @@
           <a:p>
             <a:r>
               <a:rPr lang="en-US" dirty="0" smtClean="0"/>
-              <a:t>Regular Expressions</a:t>
+              <a:t>Number Methods</a:t>
             </a:r>
             <a:endParaRPr lang="en-US" dirty="0"/>
           </a:p>
@@ -4179,78 +4492,91 @@
         </p:nvSpPr>
         <p:spPr/>
         <p:txBody>
-          <a:bodyPr>
-            <a:normAutofit fontScale="92500" lnSpcReduction="10000"/>
-          </a:bodyPr>
-          <a:lstStyle/>
-          <a:p>
-            <a:r>
-              <a:rPr lang="en-US" dirty="0"/>
+          <a:bodyPr/>
+          <a:lstStyle/>
+          <a:p>
+            <a:r>
+              <a:rPr lang="en-US" dirty="0" err="1" smtClean="0"/>
+              <a:t>parseInt</a:t>
+            </a:r>
+            <a:r>
+              <a:rPr lang="en-US" dirty="0" smtClean="0"/>
+              <a:t> – parses  a string and returns a whole number.</a:t>
+            </a:r>
+          </a:p>
+          <a:p>
+            <a:pPr>
+              <a:buNone/>
+            </a:pPr>
+            <a:r>
+              <a:rPr lang="en-US" dirty="0" smtClean="0"/>
               <a:t> </a:t>
             </a:r>
             <a:r>
               <a:rPr lang="en-US" dirty="0" smtClean="0"/>
-              <a:t>/pattern/</a:t>
-            </a:r>
-            <a:r>
-              <a:rPr lang="en-US" dirty="0" err="1" smtClean="0"/>
-              <a:t>ig</a:t>
-            </a:r>
-            <a:endParaRPr lang="en-US" dirty="0" smtClean="0"/>
-          </a:p>
-          <a:p>
-            <a:r>
-              <a:rPr lang="en-US" dirty="0"/>
+              <a:t>  Ex: </a:t>
+            </a:r>
+            <a:r>
+              <a:rPr lang="en-US" dirty="0" err="1" smtClean="0"/>
+              <a:t>parseInt</a:t>
+            </a:r>
+            <a:r>
+              <a:rPr lang="en-US" dirty="0" smtClean="0"/>
+              <a:t>(“10”) – returns 10</a:t>
+            </a:r>
+          </a:p>
+          <a:p>
+            <a:r>
+              <a:rPr lang="en-US" dirty="0" err="1" smtClean="0"/>
+              <a:t>toString</a:t>
+            </a:r>
+            <a:r>
+              <a:rPr lang="en-US" dirty="0" smtClean="0"/>
+              <a:t> – returns a number as a string.</a:t>
+            </a:r>
+          </a:p>
+          <a:p>
+            <a:pPr>
+              <a:buNone/>
+            </a:pPr>
+            <a:r>
+              <a:rPr lang="en-US" dirty="0" smtClean="0"/>
               <a:t> </a:t>
             </a:r>
             <a:r>
               <a:rPr lang="en-US" dirty="0" smtClean="0"/>
-              <a:t>search() – Returns the position of the pattern we search for.</a:t>
-            </a:r>
-          </a:p>
-          <a:p>
-            <a:r>
-              <a:rPr lang="en-US" dirty="0"/>
-              <a:t>r</a:t>
-            </a:r>
-            <a:r>
-              <a:rPr lang="en-US" dirty="0" smtClean="0"/>
-              <a:t>eplace() – Returns the modified string after replacing the pattern.</a:t>
-            </a:r>
-          </a:p>
-          <a:p>
-            <a:r>
-              <a:rPr lang="en-US" dirty="0" smtClean="0"/>
-              <a:t>[ ] – used to match range of characters between brackets.</a:t>
-            </a:r>
-          </a:p>
-          <a:p>
-            <a:r>
-              <a:rPr lang="en-US" dirty="0" smtClean="0"/>
-              <a:t>*  - matches zero or more </a:t>
-            </a:r>
-            <a:r>
-              <a:rPr lang="en-US" dirty="0" err="1" smtClean="0"/>
-              <a:t>occurences</a:t>
-            </a:r>
-            <a:r>
-              <a:rPr lang="en-US" dirty="0" smtClean="0"/>
-              <a:t>.</a:t>
-            </a:r>
-          </a:p>
-          <a:p>
-            <a:r>
-              <a:rPr lang="en-US" dirty="0" smtClean="0"/>
-              <a:t>+  - matches </a:t>
-            </a:r>
-            <a:r>
-              <a:rPr lang="en-US" dirty="0" err="1" smtClean="0"/>
-              <a:t>atleast</a:t>
-            </a:r>
-            <a:r>
-              <a:rPr lang="en-US" dirty="0" smtClean="0"/>
-              <a:t> one occurrence.</a:t>
-            </a:r>
+              <a:t>   Ex: </a:t>
+            </a:r>
+            <a:r>
+              <a:rPr lang="en-US" dirty="0" err="1" smtClean="0"/>
+              <a:t>var</a:t>
+            </a:r>
+            <a:r>
+              <a:rPr lang="en-US" dirty="0" smtClean="0"/>
+              <a:t> x = 123 </a:t>
+            </a:r>
+          </a:p>
+          <a:p>
+            <a:pPr>
+              <a:buNone/>
+            </a:pPr>
+            <a:r>
+              <a:rPr lang="en-US" dirty="0" smtClean="0"/>
+              <a:t> </a:t>
+            </a:r>
+            <a:r>
+              <a:rPr lang="en-US" dirty="0" smtClean="0"/>
+              <a:t>         </a:t>
+            </a:r>
+            <a:r>
+              <a:rPr lang="en-US" dirty="0" err="1" smtClean="0"/>
+              <a:t>x.toString</a:t>
+            </a:r>
+            <a:r>
+              <a:rPr lang="en-US" dirty="0" smtClean="0"/>
+              <a:t>()  - returns 123 </a:t>
+            </a:r>
+            <a:endParaRPr lang="en-US" dirty="0"/>
           </a:p>
         </p:txBody>
       </p:sp>
@@ -4296,7 +4622,7 @@
           <a:p>
             <a:r>
               <a:rPr lang="en-US" dirty="0" smtClean="0"/>
-              <a:t>DOM</a:t>
+              <a:t>Arrays</a:t>
             </a:r>
             <a:endParaRPr lang="en-US" dirty="0"/>
           </a:p>
@@ -4319,38 +4645,59 @@
           <a:p>
             <a:r>
               <a:rPr lang="en-US" dirty="0" smtClean="0"/>
-              <a:t>DOM is tree like structure containing root element(html) and child elements (body and head) followed by their child elements.</a:t>
-            </a:r>
-          </a:p>
-          <a:p>
-            <a:r>
-              <a:rPr lang="en-US" dirty="0" smtClean="0"/>
-              <a:t>Most common way to access HTML element – </a:t>
-            </a:r>
-            <a:r>
-              <a:rPr lang="en-US" dirty="0" err="1" smtClean="0"/>
-              <a:t>getElementById</a:t>
-            </a:r>
-            <a:r>
-              <a:rPr lang="en-US" dirty="0" smtClean="0"/>
-              <a:t>.</a:t>
-            </a:r>
-          </a:p>
-          <a:p>
-            <a:r>
-              <a:rPr lang="en-US" dirty="0" smtClean="0"/>
-              <a:t>To get content of the element – </a:t>
-            </a:r>
-            <a:r>
-              <a:rPr lang="en-US" dirty="0" err="1" smtClean="0"/>
-              <a:t>innerHTML</a:t>
-            </a:r>
-            <a:r>
-              <a:rPr lang="en-US" dirty="0" smtClean="0"/>
-              <a:t> property.</a:t>
-            </a:r>
-          </a:p>
-          <a:p>
+              <a:t>Creating an array- </a:t>
+            </a:r>
+            <a:r>
+              <a:rPr lang="en-US" dirty="0" err="1" smtClean="0"/>
+              <a:t>var</a:t>
+            </a:r>
+            <a:r>
+              <a:rPr lang="en-US" dirty="0" smtClean="0"/>
+              <a:t> fruits = [“apple”, ”orange”];</a:t>
+            </a:r>
+          </a:p>
+          <a:p>
+            <a:r>
+              <a:rPr lang="en-US" dirty="0" smtClean="0"/>
+              <a:t>Length of the array – </a:t>
+            </a:r>
+            <a:r>
+              <a:rPr lang="en-US" dirty="0" err="1" smtClean="0"/>
+              <a:t>fruits.length</a:t>
+            </a:r>
+            <a:endParaRPr lang="en-US" dirty="0" smtClean="0"/>
+          </a:p>
+          <a:p>
+            <a:r>
+              <a:rPr lang="en-US" dirty="0" smtClean="0"/>
+              <a:t>Accessing array </a:t>
+            </a:r>
+            <a:r>
+              <a:rPr lang="en-US" dirty="0" err="1" smtClean="0"/>
+              <a:t>elemets</a:t>
+            </a:r>
+            <a:r>
+              <a:rPr lang="en-US" dirty="0" smtClean="0"/>
+              <a:t> fruits[index]</a:t>
+            </a:r>
+          </a:p>
+          <a:p>
+            <a:r>
+              <a:rPr lang="en-US" dirty="0" smtClean="0"/>
+              <a:t>We can use various array methods such as push, pop, reverse, sort, </a:t>
+            </a:r>
+            <a:r>
+              <a:rPr lang="en-US" dirty="0" err="1" smtClean="0"/>
+              <a:t>slice,concat</a:t>
+            </a:r>
+            <a:r>
+              <a:rPr lang="en-US" dirty="0" smtClean="0"/>
+              <a:t> </a:t>
+            </a:r>
+            <a:r>
+              <a:rPr lang="en-US" dirty="0" smtClean="0"/>
+              <a:t>etc.. </a:t>
+            </a:r>
             <a:endParaRPr lang="en-US" dirty="0"/>
           </a:p>
         </p:txBody>
@@ -4360,6 +4707,446 @@
   <p:clrMapOvr>
     <a:masterClrMapping/>
   </p:clrMapOvr>
+  <p:timing>
+    <p:tnLst>
+      <p:par>
+        <p:cTn id="1" dur="indefinite" restart="never" nodeType="tmRoot"/>
+      </p:par>
+    </p:tnLst>
+  </p:timing>
+</p:sld>
+</file>
+
+<file path=ppt/slides/slide17.xml><?xml version="1.0" encoding="utf-8"?>
+<p:sld xmlns:a="http://schemas.openxmlformats.org/drawingml/2006/main" xmlns:r="http://schemas.openxmlformats.org/officeDocument/2006/relationships" xmlns:p="http://schemas.openxmlformats.org/presentationml/2006/main">
+  <p:cSld>
+    <p:spTree>
+      <p:nvGrpSpPr>
+        <p:cNvPr id="1" name=""/>
+        <p:cNvGrpSpPr/>
+        <p:nvPr/>
+      </p:nvGrpSpPr>
+      <p:grpSpPr>
+        <a:xfrm>
+          <a:off x="0" y="0"/>
+          <a:ext cx="0" cy="0"/>
+          <a:chOff x="0" y="0"/>
+          <a:chExt cx="0" cy="0"/>
+        </a:xfrm>
+      </p:grpSpPr>
+      <p:sp>
+        <p:nvSpPr>
+          <p:cNvPr id="2" name="Title 1"/>
+          <p:cNvSpPr>
+            <a:spLocks noGrp="1"/>
+          </p:cNvSpPr>
+          <p:nvPr>
+            <p:ph type="title"/>
+          </p:nvPr>
+        </p:nvSpPr>
+        <p:spPr/>
+        <p:txBody>
+          <a:bodyPr/>
+          <a:lstStyle/>
+          <a:p>
+            <a:r>
+              <a:rPr lang="en-US" dirty="0" smtClean="0"/>
+              <a:t>Array Methods</a:t>
+            </a:r>
+            <a:endParaRPr lang="en-US" dirty="0"/>
+          </a:p>
+        </p:txBody>
+      </p:sp>
+      <p:sp>
+        <p:nvSpPr>
+          <p:cNvPr id="3" name="Content Placeholder 2"/>
+          <p:cNvSpPr>
+            <a:spLocks noGrp="1"/>
+          </p:cNvSpPr>
+          <p:nvPr>
+            <p:ph idx="1"/>
+          </p:nvPr>
+        </p:nvSpPr>
+        <p:spPr/>
+        <p:txBody>
+          <a:bodyPr>
+            <a:normAutofit fontScale="92500"/>
+          </a:bodyPr>
+          <a:lstStyle/>
+          <a:p>
+            <a:r>
+              <a:rPr lang="en-US" dirty="0" smtClean="0"/>
+              <a:t>p</a:t>
+            </a:r>
+            <a:r>
+              <a:rPr lang="en-US" dirty="0" smtClean="0"/>
+              <a:t>ush – adds an element at the end.</a:t>
+            </a:r>
+          </a:p>
+          <a:p>
+            <a:pPr>
+              <a:buNone/>
+            </a:pPr>
+            <a:r>
+              <a:rPr lang="en-US" dirty="0" smtClean="0"/>
+              <a:t> </a:t>
+            </a:r>
+            <a:r>
+              <a:rPr lang="en-US" dirty="0" smtClean="0"/>
+              <a:t>   </a:t>
+            </a:r>
+            <a:r>
+              <a:rPr lang="en-US" dirty="0" err="1" smtClean="0"/>
+              <a:t>fruits.push</a:t>
+            </a:r>
+            <a:r>
+              <a:rPr lang="en-US" dirty="0" smtClean="0"/>
+              <a:t>(“grapes”)</a:t>
+            </a:r>
+          </a:p>
+          <a:p>
+            <a:r>
+              <a:rPr lang="en-US" dirty="0" smtClean="0"/>
+              <a:t>p</a:t>
+            </a:r>
+            <a:r>
+              <a:rPr lang="en-US" dirty="0" smtClean="0"/>
+              <a:t>op -  removes the last element from the array.</a:t>
+            </a:r>
+          </a:p>
+          <a:p>
+            <a:pPr>
+              <a:buNone/>
+            </a:pPr>
+            <a:r>
+              <a:rPr lang="en-US" dirty="0" smtClean="0"/>
+              <a:t> </a:t>
+            </a:r>
+            <a:r>
+              <a:rPr lang="en-US" dirty="0" smtClean="0"/>
+              <a:t>   fruits.pop() </a:t>
+            </a:r>
+          </a:p>
+          <a:p>
+            <a:r>
+              <a:rPr lang="en-US" dirty="0" smtClean="0"/>
+              <a:t>s</a:t>
+            </a:r>
+            <a:r>
+              <a:rPr lang="en-US" dirty="0" smtClean="0"/>
+              <a:t>ort – sorts an array alphabetically</a:t>
+            </a:r>
+          </a:p>
+          <a:p>
+            <a:pPr>
+              <a:buNone/>
+            </a:pPr>
+            <a:r>
+              <a:rPr lang="en-US" dirty="0" smtClean="0"/>
+              <a:t> </a:t>
+            </a:r>
+            <a:r>
+              <a:rPr lang="en-US" dirty="0" smtClean="0"/>
+              <a:t>    </a:t>
+            </a:r>
+            <a:r>
+              <a:rPr lang="en-US" dirty="0" err="1" smtClean="0"/>
+              <a:t>fruits.sort</a:t>
+            </a:r>
+            <a:r>
+              <a:rPr lang="en-US" dirty="0" smtClean="0"/>
+              <a:t>()</a:t>
+            </a:r>
+          </a:p>
+          <a:p>
+            <a:r>
+              <a:rPr lang="en-US" dirty="0" smtClean="0"/>
+              <a:t>r</a:t>
+            </a:r>
+            <a:r>
+              <a:rPr lang="en-US" dirty="0" smtClean="0"/>
+              <a:t>everse – reverses the elements of array.</a:t>
+            </a:r>
+          </a:p>
+          <a:p>
+            <a:pPr>
+              <a:buNone/>
+            </a:pPr>
+            <a:r>
+              <a:rPr lang="en-US" dirty="0" smtClean="0"/>
+              <a:t>      </a:t>
+            </a:r>
+            <a:r>
+              <a:rPr lang="en-US" dirty="0" err="1" smtClean="0"/>
+              <a:t>fruits.reverse</a:t>
+            </a:r>
+            <a:r>
+              <a:rPr lang="en-US" dirty="0" smtClean="0"/>
+              <a:t>()</a:t>
+            </a:r>
+          </a:p>
+          <a:p>
+            <a:pPr>
+              <a:buNone/>
+            </a:pPr>
+            <a:endParaRPr lang="en-US" dirty="0"/>
+          </a:p>
+        </p:txBody>
+      </p:sp>
+    </p:spTree>
+  </p:cSld>
+  <p:clrMapOvr>
+    <a:masterClrMapping/>
+  </p:clrMapOvr>
+</p:sld>
+</file>
+
+<file path=ppt/slides/slide18.xml><?xml version="1.0" encoding="utf-8"?>
+<p:sld xmlns:a="http://schemas.openxmlformats.org/drawingml/2006/main" xmlns:r="http://schemas.openxmlformats.org/officeDocument/2006/relationships" xmlns:p="http://schemas.openxmlformats.org/presentationml/2006/main">
+  <p:cSld>
+    <p:spTree>
+      <p:nvGrpSpPr>
+        <p:cNvPr id="1" name=""/>
+        <p:cNvGrpSpPr/>
+        <p:nvPr/>
+      </p:nvGrpSpPr>
+      <p:grpSpPr>
+        <a:xfrm>
+          <a:off x="0" y="0"/>
+          <a:ext cx="0" cy="0"/>
+          <a:chOff x="0" y="0"/>
+          <a:chExt cx="0" cy="0"/>
+        </a:xfrm>
+      </p:grpSpPr>
+      <p:sp>
+        <p:nvSpPr>
+          <p:cNvPr id="2" name="Title 1"/>
+          <p:cNvSpPr>
+            <a:spLocks noGrp="1"/>
+          </p:cNvSpPr>
+          <p:nvPr>
+            <p:ph type="title"/>
+          </p:nvPr>
+        </p:nvSpPr>
+        <p:spPr/>
+        <p:txBody>
+          <a:bodyPr/>
+          <a:lstStyle/>
+          <a:p>
+            <a:endParaRPr lang="en-US"/>
+          </a:p>
+        </p:txBody>
+      </p:sp>
+      <p:sp>
+        <p:nvSpPr>
+          <p:cNvPr id="3" name="Content Placeholder 2"/>
+          <p:cNvSpPr>
+            <a:spLocks noGrp="1"/>
+          </p:cNvSpPr>
+          <p:nvPr>
+            <p:ph idx="1"/>
+          </p:nvPr>
+        </p:nvSpPr>
+        <p:spPr/>
+        <p:txBody>
+          <a:bodyPr/>
+          <a:lstStyle/>
+          <a:p>
+            <a:r>
+              <a:rPr lang="en-US" dirty="0" smtClean="0"/>
+              <a:t>s</a:t>
+            </a:r>
+            <a:r>
+              <a:rPr lang="en-US" dirty="0" smtClean="0"/>
+              <a:t>lice – slices out a piece of array .</a:t>
+            </a:r>
+          </a:p>
+          <a:p>
+            <a:pPr>
+              <a:buNone/>
+            </a:pPr>
+            <a:r>
+              <a:rPr lang="en-US" dirty="0" smtClean="0"/>
+              <a:t> </a:t>
+            </a:r>
+            <a:r>
+              <a:rPr lang="en-US" dirty="0" smtClean="0"/>
+              <a:t>   </a:t>
+            </a:r>
+            <a:r>
+              <a:rPr lang="en-US" dirty="0" err="1" smtClean="0"/>
+              <a:t>fruits.slice</a:t>
+            </a:r>
+            <a:r>
+              <a:rPr lang="en-US" dirty="0" smtClean="0"/>
+              <a:t>(1,3)</a:t>
+            </a:r>
+          </a:p>
+          <a:p>
+            <a:r>
+              <a:rPr lang="en-US" dirty="0" err="1" smtClean="0"/>
+              <a:t>c</a:t>
+            </a:r>
+            <a:r>
+              <a:rPr lang="en-US" dirty="0" err="1" smtClean="0"/>
+              <a:t>oncat</a:t>
+            </a:r>
+            <a:r>
+              <a:rPr lang="en-US" dirty="0" smtClean="0"/>
+              <a:t> – joining two arrays</a:t>
+            </a:r>
+          </a:p>
+          <a:p>
+            <a:pPr>
+              <a:buNone/>
+            </a:pPr>
+            <a:r>
+              <a:rPr lang="en-US" dirty="0" smtClean="0"/>
+              <a:t> </a:t>
+            </a:r>
+            <a:r>
+              <a:rPr lang="en-US" dirty="0" smtClean="0"/>
+              <a:t>   </a:t>
+            </a:r>
+            <a:r>
+              <a:rPr lang="en-US" dirty="0" err="1" smtClean="0"/>
+              <a:t>fruits.concat</a:t>
+            </a:r>
+            <a:r>
+              <a:rPr lang="en-US" dirty="0" smtClean="0"/>
+              <a:t>(flowers)</a:t>
+            </a:r>
+            <a:endParaRPr lang="en-US" dirty="0"/>
+          </a:p>
+        </p:txBody>
+      </p:sp>
+    </p:spTree>
+  </p:cSld>
+  <p:clrMapOvr>
+    <a:masterClrMapping/>
+  </p:clrMapOvr>
+</p:sld>
+</file>
+
+<file path=ppt/slides/slide19.xml><?xml version="1.0" encoding="utf-8"?>
+<p:sld xmlns:a="http://schemas.openxmlformats.org/drawingml/2006/main" xmlns:r="http://schemas.openxmlformats.org/officeDocument/2006/relationships" xmlns:p="http://schemas.openxmlformats.org/presentationml/2006/main">
+  <p:cSld>
+    <p:spTree>
+      <p:nvGrpSpPr>
+        <p:cNvPr id="1" name=""/>
+        <p:cNvGrpSpPr/>
+        <p:nvPr/>
+      </p:nvGrpSpPr>
+      <p:grpSpPr>
+        <a:xfrm>
+          <a:off x="0" y="0"/>
+          <a:ext cx="0" cy="0"/>
+          <a:chOff x="0" y="0"/>
+          <a:chExt cx="0" cy="0"/>
+        </a:xfrm>
+      </p:grpSpPr>
+      <p:sp>
+        <p:nvSpPr>
+          <p:cNvPr id="2" name="Title 1"/>
+          <p:cNvSpPr>
+            <a:spLocks noGrp="1"/>
+          </p:cNvSpPr>
+          <p:nvPr>
+            <p:ph type="title"/>
+          </p:nvPr>
+        </p:nvSpPr>
+        <p:spPr/>
+        <p:txBody>
+          <a:bodyPr/>
+          <a:lstStyle/>
+          <a:p>
+            <a:r>
+              <a:rPr lang="en-US" dirty="0" smtClean="0"/>
+              <a:t>Control statements</a:t>
+            </a:r>
+            <a:endParaRPr lang="en-US" dirty="0"/>
+          </a:p>
+        </p:txBody>
+      </p:sp>
+      <p:sp>
+        <p:nvSpPr>
+          <p:cNvPr id="3" name="Content Placeholder 2"/>
+          <p:cNvSpPr>
+            <a:spLocks noGrp="1"/>
+          </p:cNvSpPr>
+          <p:nvPr>
+            <p:ph idx="1"/>
+          </p:nvPr>
+        </p:nvSpPr>
+        <p:spPr/>
+        <p:txBody>
+          <a:bodyPr/>
+          <a:lstStyle/>
+          <a:p>
+            <a:r>
+              <a:rPr lang="en-US" dirty="0"/>
+              <a:t>i</a:t>
+            </a:r>
+            <a:r>
+              <a:rPr lang="en-US" dirty="0" smtClean="0"/>
+              <a:t>f</a:t>
+            </a:r>
+          </a:p>
+          <a:p>
+            <a:r>
+              <a:rPr lang="en-US" dirty="0" smtClean="0"/>
+              <a:t>while</a:t>
+            </a:r>
+          </a:p>
+          <a:p>
+            <a:r>
+              <a:rPr lang="en-US" dirty="0"/>
+              <a:t>f</a:t>
+            </a:r>
+            <a:r>
+              <a:rPr lang="en-US" dirty="0" smtClean="0"/>
+              <a:t>or</a:t>
+            </a:r>
+          </a:p>
+          <a:p>
+            <a:r>
+              <a:rPr lang="en-US" dirty="0"/>
+              <a:t>s</a:t>
+            </a:r>
+            <a:r>
+              <a:rPr lang="en-US" dirty="0" smtClean="0"/>
+              <a:t>witch</a:t>
+            </a:r>
+          </a:p>
+          <a:p>
+            <a:pPr>
+              <a:buFont typeface="Wingdings" pitchFamily="2" charset="2"/>
+              <a:buChar char="Ø"/>
+            </a:pPr>
+            <a:r>
+              <a:rPr lang="en-US" dirty="0"/>
+              <a:t> </a:t>
+            </a:r>
+            <a:r>
+              <a:rPr lang="en-US" dirty="0" smtClean="0"/>
+              <a:t>Everything is same as in C language.</a:t>
+            </a:r>
+            <a:endParaRPr lang="en-US" dirty="0"/>
+          </a:p>
+        </p:txBody>
+      </p:sp>
+    </p:spTree>
+  </p:cSld>
+  <p:clrMapOvr>
+    <a:masterClrMapping/>
+  </p:clrMapOvr>
+  <p:timing>
+    <p:tnLst>
+      <p:par>
+        <p:cTn id="1" dur="indefinite" restart="never" nodeType="tmRoot"/>
+      </p:par>
+    </p:tnLst>
+  </p:timing>
 </p:sld>
 </file>
 
@@ -4439,12 +5226,20 @@
               <a:buChar char="Ø"/>
             </a:pPr>
             <a:r>
+              <a:rPr lang="en-US" sz="2800" dirty="0" smtClean="0"/>
+              <a:t> </a:t>
+            </a:r>
+            <a:r>
               <a:rPr lang="en-US" sz="2800" dirty="0" err="1" smtClean="0"/>
               <a:t>Javascript</a:t>
             </a:r>
             <a:r>
               <a:rPr lang="en-US" sz="2800" dirty="0" smtClean="0"/>
-              <a:t> is most commonly used as client side scripting language.</a:t>
+              <a:t> </a:t>
+            </a:r>
+            <a:r>
+              <a:rPr lang="en-US" sz="2800" dirty="0" smtClean="0"/>
+              <a:t>is most commonly used as client side scripting language.</a:t>
             </a:r>
           </a:p>
           <a:p>
@@ -4494,7 +5289,11 @@
             </a:r>
             <a:r>
               <a:rPr lang="en-US" sz="2800" dirty="0" smtClean="0"/>
-              <a:t> enhances the way web page works by making it more interactive.</a:t>
+              <a:t> enhances the way web page </a:t>
+            </a:r>
+            <a:r>
+              <a:rPr lang="en-US" sz="2800" dirty="0" smtClean="0"/>
+              <a:t>works.</a:t>
             </a:r>
             <a:endParaRPr lang="en-US" sz="2800" dirty="0"/>
           </a:p>
@@ -4505,6 +5304,566 @@
   <p:clrMapOvr>
     <a:masterClrMapping/>
   </p:clrMapOvr>
+  <p:timing>
+    <p:tnLst>
+      <p:par>
+        <p:cTn id="1" dur="indefinite" restart="never" nodeType="tmRoot"/>
+      </p:par>
+    </p:tnLst>
+  </p:timing>
+</p:sld>
+</file>
+
+<file path=ppt/slides/slide20.xml><?xml version="1.0" encoding="utf-8"?>
+<p:sld xmlns:a="http://schemas.openxmlformats.org/drawingml/2006/main" xmlns:r="http://schemas.openxmlformats.org/officeDocument/2006/relationships" xmlns:p="http://schemas.openxmlformats.org/presentationml/2006/main">
+  <p:cSld>
+    <p:spTree>
+      <p:nvGrpSpPr>
+        <p:cNvPr id="1" name=""/>
+        <p:cNvGrpSpPr/>
+        <p:nvPr/>
+      </p:nvGrpSpPr>
+      <p:grpSpPr>
+        <a:xfrm>
+          <a:off x="0" y="0"/>
+          <a:ext cx="0" cy="0"/>
+          <a:chOff x="0" y="0"/>
+          <a:chExt cx="0" cy="0"/>
+        </a:xfrm>
+      </p:grpSpPr>
+      <p:sp>
+        <p:nvSpPr>
+          <p:cNvPr id="2" name="Title 1"/>
+          <p:cNvSpPr>
+            <a:spLocks noGrp="1"/>
+          </p:cNvSpPr>
+          <p:nvPr>
+            <p:ph type="title"/>
+          </p:nvPr>
+        </p:nvSpPr>
+        <p:spPr/>
+        <p:txBody>
+          <a:bodyPr/>
+          <a:lstStyle/>
+          <a:p>
+            <a:r>
+              <a:rPr lang="en-US" dirty="0" smtClean="0"/>
+              <a:t>Regular Expressions</a:t>
+            </a:r>
+            <a:endParaRPr lang="en-US" dirty="0"/>
+          </a:p>
+        </p:txBody>
+      </p:sp>
+      <p:sp>
+        <p:nvSpPr>
+          <p:cNvPr id="3" name="Content Placeholder 2"/>
+          <p:cNvSpPr>
+            <a:spLocks noGrp="1"/>
+          </p:cNvSpPr>
+          <p:nvPr>
+            <p:ph idx="1"/>
+          </p:nvPr>
+        </p:nvSpPr>
+        <p:spPr/>
+        <p:txBody>
+          <a:bodyPr>
+            <a:normAutofit fontScale="92500" lnSpcReduction="20000"/>
+          </a:bodyPr>
+          <a:lstStyle/>
+          <a:p>
+            <a:r>
+              <a:rPr lang="en-US" dirty="0"/>
+              <a:t> </a:t>
+            </a:r>
+            <a:r>
+              <a:rPr lang="en-US" dirty="0" smtClean="0"/>
+              <a:t>/pattern/</a:t>
+            </a:r>
+            <a:r>
+              <a:rPr lang="en-US" dirty="0" err="1" smtClean="0"/>
+              <a:t>ig</a:t>
+            </a:r>
+            <a:endParaRPr lang="en-US" dirty="0" smtClean="0"/>
+          </a:p>
+          <a:p>
+            <a:r>
+              <a:rPr lang="en-US" dirty="0"/>
+              <a:t> </a:t>
+            </a:r>
+            <a:r>
+              <a:rPr lang="en-US" dirty="0" smtClean="0"/>
+              <a:t>search() – Returns the position of the pattern we search for.</a:t>
+            </a:r>
+          </a:p>
+          <a:p>
+            <a:r>
+              <a:rPr lang="en-US" dirty="0"/>
+              <a:t>r</a:t>
+            </a:r>
+            <a:r>
+              <a:rPr lang="en-US" dirty="0" smtClean="0"/>
+              <a:t>eplace() – Returns the modified string after replacing the pattern.</a:t>
+            </a:r>
+          </a:p>
+          <a:p>
+            <a:r>
+              <a:rPr lang="en-US" dirty="0" smtClean="0"/>
+              <a:t>[ ] – used to match range of characters between </a:t>
+            </a:r>
+            <a:r>
+              <a:rPr lang="en-US" dirty="0" smtClean="0"/>
+              <a:t>brackets. For </a:t>
+            </a:r>
+            <a:r>
+              <a:rPr lang="en-US" dirty="0" err="1" smtClean="0"/>
+              <a:t>exaample</a:t>
+            </a:r>
+            <a:r>
+              <a:rPr lang="en-US" dirty="0" smtClean="0"/>
+              <a:t> [a-z] matches alphabets.</a:t>
+            </a:r>
+            <a:endParaRPr lang="en-US" dirty="0" smtClean="0"/>
+          </a:p>
+          <a:p>
+            <a:r>
+              <a:rPr lang="en-US" dirty="0" smtClean="0"/>
+              <a:t>*  - matches zero or more </a:t>
+            </a:r>
+            <a:r>
+              <a:rPr lang="en-US" dirty="0" err="1" smtClean="0"/>
+              <a:t>occurences</a:t>
+            </a:r>
+            <a:r>
+              <a:rPr lang="en-US" dirty="0" smtClean="0"/>
+              <a:t>.</a:t>
+            </a:r>
+          </a:p>
+          <a:p>
+            <a:pPr>
+              <a:buNone/>
+            </a:pPr>
+            <a:r>
+              <a:rPr lang="en-US" dirty="0" smtClean="0"/>
+              <a:t> </a:t>
+            </a:r>
+            <a:r>
+              <a:rPr lang="en-US" dirty="0" smtClean="0"/>
+              <a:t>    n* - matches zero or more </a:t>
+            </a:r>
+            <a:r>
+              <a:rPr lang="en-US" dirty="0" err="1" smtClean="0"/>
+              <a:t>occurences</a:t>
+            </a:r>
+            <a:r>
+              <a:rPr lang="en-US" dirty="0" smtClean="0"/>
+              <a:t> of n.</a:t>
+            </a:r>
+            <a:endParaRPr lang="en-US" dirty="0" smtClean="0"/>
+          </a:p>
+          <a:p>
+            <a:r>
+              <a:rPr lang="en-US" dirty="0" smtClean="0"/>
+              <a:t>+  - matches </a:t>
+            </a:r>
+            <a:r>
+              <a:rPr lang="en-US" dirty="0" err="1" smtClean="0"/>
+              <a:t>atleast</a:t>
+            </a:r>
+            <a:r>
+              <a:rPr lang="en-US" dirty="0" smtClean="0"/>
+              <a:t> one occurrence.</a:t>
+            </a:r>
+          </a:p>
+        </p:txBody>
+      </p:sp>
+    </p:spTree>
+  </p:cSld>
+  <p:clrMapOvr>
+    <a:masterClrMapping/>
+  </p:clrMapOvr>
+  <p:timing>
+    <p:tnLst>
+      <p:par>
+        <p:cTn id="1" dur="indefinite" restart="never" nodeType="tmRoot"/>
+      </p:par>
+    </p:tnLst>
+  </p:timing>
+</p:sld>
+</file>
+
+<file path=ppt/slides/slide21.xml><?xml version="1.0" encoding="utf-8"?>
+<p:sld xmlns:a="http://schemas.openxmlformats.org/drawingml/2006/main" xmlns:r="http://schemas.openxmlformats.org/officeDocument/2006/relationships" xmlns:p="http://schemas.openxmlformats.org/presentationml/2006/main">
+  <p:cSld>
+    <p:spTree>
+      <p:nvGrpSpPr>
+        <p:cNvPr id="1" name=""/>
+        <p:cNvGrpSpPr/>
+        <p:nvPr/>
+      </p:nvGrpSpPr>
+      <p:grpSpPr>
+        <a:xfrm>
+          <a:off x="0" y="0"/>
+          <a:ext cx="0" cy="0"/>
+          <a:chOff x="0" y="0"/>
+          <a:chExt cx="0" cy="0"/>
+        </a:xfrm>
+      </p:grpSpPr>
+      <p:sp>
+        <p:nvSpPr>
+          <p:cNvPr id="2" name="Title 1"/>
+          <p:cNvSpPr>
+            <a:spLocks noGrp="1"/>
+          </p:cNvSpPr>
+          <p:nvPr>
+            <p:ph type="title"/>
+          </p:nvPr>
+        </p:nvSpPr>
+        <p:spPr/>
+        <p:txBody>
+          <a:bodyPr/>
+          <a:lstStyle/>
+          <a:p>
+            <a:r>
+              <a:rPr lang="en-US" dirty="0" smtClean="0"/>
+              <a:t>DOM</a:t>
+            </a:r>
+            <a:endParaRPr lang="en-US" dirty="0"/>
+          </a:p>
+        </p:txBody>
+      </p:sp>
+      <p:sp>
+        <p:nvSpPr>
+          <p:cNvPr id="3" name="Content Placeholder 2"/>
+          <p:cNvSpPr>
+            <a:spLocks noGrp="1"/>
+          </p:cNvSpPr>
+          <p:nvPr>
+            <p:ph idx="1"/>
+          </p:nvPr>
+        </p:nvSpPr>
+        <p:spPr/>
+        <p:txBody>
+          <a:bodyPr>
+            <a:normAutofit fontScale="62500" lnSpcReduction="20000"/>
+          </a:bodyPr>
+          <a:lstStyle/>
+          <a:p>
+            <a:r>
+              <a:rPr lang="en-US" dirty="0" smtClean="0"/>
+              <a:t>DOM is tree like structure containing root element(html) and child elements (body and head) followed by their child elements.</a:t>
+            </a:r>
+          </a:p>
+          <a:p>
+            <a:r>
+              <a:rPr lang="en-US" dirty="0" smtClean="0"/>
+              <a:t>Most common way to access HTML element – </a:t>
+            </a:r>
+            <a:r>
+              <a:rPr lang="en-US" dirty="0" err="1" smtClean="0"/>
+              <a:t>getElementById</a:t>
+            </a:r>
+            <a:r>
+              <a:rPr lang="en-US" dirty="0" smtClean="0"/>
+              <a:t>.</a:t>
+            </a:r>
+          </a:p>
+          <a:p>
+            <a:r>
+              <a:rPr lang="en-US" dirty="0" smtClean="0"/>
+              <a:t>To get content of the element – </a:t>
+            </a:r>
+            <a:r>
+              <a:rPr lang="en-US" dirty="0" err="1" smtClean="0"/>
+              <a:t>innerHTML</a:t>
+            </a:r>
+            <a:r>
+              <a:rPr lang="en-US" dirty="0" smtClean="0"/>
+              <a:t> property</a:t>
+            </a:r>
+            <a:r>
+              <a:rPr lang="en-US" dirty="0" smtClean="0"/>
+              <a:t>.</a:t>
+            </a:r>
+            <a:endParaRPr lang="en-US" dirty="0" smtClean="0"/>
+          </a:p>
+          <a:p>
+            <a:pPr>
+              <a:buNone/>
+            </a:pPr>
+            <a:r>
+              <a:rPr lang="en-US" dirty="0" smtClean="0"/>
+              <a:t> </a:t>
+            </a:r>
+            <a:r>
+              <a:rPr lang="en-US" dirty="0" smtClean="0"/>
+              <a:t>     Ex:&lt;html</a:t>
+            </a:r>
+            <a:r>
+              <a:rPr lang="en-US" dirty="0" smtClean="0"/>
+              <a:t>&gt;</a:t>
+            </a:r>
+            <a:br>
+              <a:rPr lang="en-US" dirty="0" smtClean="0"/>
+            </a:br>
+            <a:r>
+              <a:rPr lang="en-US" dirty="0" smtClean="0"/>
+              <a:t>      &lt;</a:t>
+            </a:r>
+            <a:r>
+              <a:rPr lang="en-US" dirty="0" smtClean="0"/>
+              <a:t>body&gt;</a:t>
+            </a:r>
+            <a:br>
+              <a:rPr lang="en-US" dirty="0" smtClean="0"/>
+            </a:br>
+            <a:r>
+              <a:rPr lang="en-US" dirty="0" smtClean="0"/>
+              <a:t/>
+            </a:r>
+            <a:br>
+              <a:rPr lang="en-US" dirty="0" smtClean="0"/>
+            </a:br>
+            <a:r>
+              <a:rPr lang="en-US" dirty="0" smtClean="0"/>
+              <a:t>      &lt;</a:t>
+            </a:r>
+            <a:r>
+              <a:rPr lang="en-US" dirty="0" smtClean="0"/>
+              <a:t>p id="demo"&gt;&lt;/p&gt;</a:t>
+            </a:r>
+            <a:br>
+              <a:rPr lang="en-US" dirty="0" smtClean="0"/>
+            </a:br>
+            <a:r>
+              <a:rPr lang="en-US" dirty="0" smtClean="0"/>
+              <a:t/>
+            </a:r>
+            <a:br>
+              <a:rPr lang="en-US" dirty="0" smtClean="0"/>
+            </a:br>
+            <a:r>
+              <a:rPr lang="en-US" dirty="0" smtClean="0"/>
+              <a:t>       &lt;</a:t>
+            </a:r>
+            <a:r>
+              <a:rPr lang="en-US" dirty="0" smtClean="0"/>
+              <a:t>script&gt;</a:t>
+            </a:r>
+            <a:br>
+              <a:rPr lang="en-US" dirty="0" smtClean="0"/>
+            </a:br>
+            <a:r>
+              <a:rPr lang="en-US" dirty="0" smtClean="0"/>
+              <a:t>       </a:t>
+            </a:r>
+            <a:r>
+              <a:rPr lang="en-US" dirty="0" err="1" smtClean="0"/>
+              <a:t>document.getElementById</a:t>
+            </a:r>
+            <a:r>
+              <a:rPr lang="en-US" dirty="0" smtClean="0"/>
+              <a:t>("demo").</a:t>
+            </a:r>
+            <a:r>
+              <a:rPr lang="en-US" dirty="0" err="1" smtClean="0"/>
+              <a:t>innerHTML</a:t>
+            </a:r>
+            <a:r>
+              <a:rPr lang="en-US" dirty="0" smtClean="0"/>
+              <a:t> = "Hello World</a:t>
+            </a:r>
+            <a:r>
+              <a:rPr lang="en-US" dirty="0" smtClean="0"/>
+              <a:t>!"</a:t>
+            </a:r>
+            <a:r>
+              <a:rPr lang="en-US" dirty="0" smtClean="0"/>
+              <a:t/>
+            </a:r>
+            <a:br>
+              <a:rPr lang="en-US" dirty="0" smtClean="0"/>
+            </a:br>
+            <a:r>
+              <a:rPr lang="en-US" dirty="0" smtClean="0"/>
+              <a:t>       &lt;/</a:t>
+            </a:r>
+            <a:r>
+              <a:rPr lang="en-US" dirty="0" smtClean="0"/>
+              <a:t>script&gt;</a:t>
+            </a:r>
+            <a:br>
+              <a:rPr lang="en-US" dirty="0" smtClean="0"/>
+            </a:br>
+            <a:r>
+              <a:rPr lang="en-US" dirty="0" smtClean="0"/>
+              <a:t/>
+            </a:r>
+            <a:br>
+              <a:rPr lang="en-US" dirty="0" smtClean="0"/>
+            </a:br>
+            <a:r>
+              <a:rPr lang="en-US" dirty="0" smtClean="0"/>
+              <a:t>        &lt;/</a:t>
+            </a:r>
+            <a:r>
+              <a:rPr lang="en-US" dirty="0" smtClean="0"/>
+              <a:t>body&gt;</a:t>
+            </a:r>
+            <a:br>
+              <a:rPr lang="en-US" dirty="0" smtClean="0"/>
+            </a:br>
+            <a:r>
+              <a:rPr lang="en-US" dirty="0" smtClean="0"/>
+              <a:t>         &lt;/</a:t>
+            </a:r>
+            <a:r>
+              <a:rPr lang="en-US" dirty="0" smtClean="0"/>
+              <a:t>html&gt;</a:t>
+            </a:r>
+            <a:endParaRPr lang="en-US" dirty="0" smtClean="0"/>
+          </a:p>
+          <a:p>
+            <a:pPr>
+              <a:buNone/>
+            </a:pPr>
+            <a:endParaRPr lang="en-US" dirty="0"/>
+          </a:p>
+        </p:txBody>
+      </p:sp>
+    </p:spTree>
+  </p:cSld>
+  <p:clrMapOvr>
+    <a:masterClrMapping/>
+  </p:clrMapOvr>
+  <p:timing>
+    <p:tnLst>
+      <p:par>
+        <p:cTn id="1" dur="indefinite" restart="never" nodeType="tmRoot"/>
+      </p:par>
+    </p:tnLst>
+  </p:timing>
+</p:sld>
+</file>
+
+<file path=ppt/slides/slide22.xml><?xml version="1.0" encoding="utf-8"?>
+<p:sld xmlns:a="http://schemas.openxmlformats.org/drawingml/2006/main" xmlns:r="http://schemas.openxmlformats.org/officeDocument/2006/relationships" xmlns:p="http://schemas.openxmlformats.org/presentationml/2006/main">
+  <p:cSld>
+    <p:spTree>
+      <p:nvGrpSpPr>
+        <p:cNvPr id="1" name=""/>
+        <p:cNvGrpSpPr/>
+        <p:nvPr/>
+      </p:nvGrpSpPr>
+      <p:grpSpPr>
+        <a:xfrm>
+          <a:off x="0" y="0"/>
+          <a:ext cx="0" cy="0"/>
+          <a:chOff x="0" y="0"/>
+          <a:chExt cx="0" cy="0"/>
+        </a:xfrm>
+      </p:grpSpPr>
+      <p:sp>
+        <p:nvSpPr>
+          <p:cNvPr id="2" name="Title 1"/>
+          <p:cNvSpPr>
+            <a:spLocks noGrp="1"/>
+          </p:cNvSpPr>
+          <p:nvPr>
+            <p:ph type="title"/>
+          </p:nvPr>
+        </p:nvSpPr>
+        <p:spPr/>
+        <p:txBody>
+          <a:bodyPr/>
+          <a:lstStyle/>
+          <a:p>
+            <a:r>
+              <a:rPr lang="en-US" dirty="0" smtClean="0"/>
+              <a:t>References</a:t>
+            </a:r>
+            <a:endParaRPr lang="en-US" dirty="0"/>
+          </a:p>
+        </p:txBody>
+      </p:sp>
+      <p:sp>
+        <p:nvSpPr>
+          <p:cNvPr id="3" name="Content Placeholder 2"/>
+          <p:cNvSpPr>
+            <a:spLocks noGrp="1"/>
+          </p:cNvSpPr>
+          <p:nvPr>
+            <p:ph idx="1"/>
+          </p:nvPr>
+        </p:nvSpPr>
+        <p:spPr/>
+        <p:txBody>
+          <a:bodyPr/>
+          <a:lstStyle/>
+          <a:p>
+            <a:pPr marL="514350" indent="-514350">
+              <a:buFont typeface="+mj-lt"/>
+              <a:buAutoNum type="arabicPeriod"/>
+            </a:pPr>
+            <a:r>
+              <a:rPr lang="en-US" dirty="0" smtClean="0">
+                <a:hlinkClick r:id="rId2"/>
+              </a:rPr>
+              <a:t>http://www.w3schools.com/js/</a:t>
+            </a:r>
+            <a:endParaRPr lang="en-US" dirty="0" smtClean="0"/>
+          </a:p>
+          <a:p>
+            <a:pPr marL="514350" indent="-514350">
+              <a:buFont typeface="+mj-lt"/>
+              <a:buAutoNum type="arabicPeriod"/>
+            </a:pPr>
+            <a:r>
+              <a:rPr lang="en-US" dirty="0" smtClean="0">
+                <a:hlinkClick r:id="rId3"/>
+              </a:rPr>
+              <a:t>http://www.tutorialspoint.com/javascript/</a:t>
+            </a:r>
+            <a:endParaRPr lang="en-US" dirty="0" smtClean="0"/>
+          </a:p>
+          <a:p>
+            <a:pPr marL="514350" indent="-514350">
+              <a:buFont typeface="+mj-lt"/>
+              <a:buAutoNum type="arabicPeriod"/>
+            </a:pPr>
+            <a:r>
+              <a:rPr lang="en-US" dirty="0" smtClean="0">
+                <a:hlinkClick r:id="rId4"/>
+              </a:rPr>
+              <a:t>https://github.com/ManasaGajulavarthy/Nodejs_HMIT</a:t>
+            </a:r>
+            <a:endParaRPr lang="en-US" dirty="0" smtClean="0"/>
+          </a:p>
+          <a:p>
+            <a:pPr marL="514350" indent="-514350">
+              <a:buNone/>
+            </a:pPr>
+            <a:endParaRPr lang="en-US" dirty="0" smtClean="0"/>
+          </a:p>
+          <a:p>
+            <a:pPr>
+              <a:buNone/>
+            </a:pPr>
+            <a:endParaRPr lang="en-US" dirty="0"/>
+          </a:p>
+        </p:txBody>
+      </p:sp>
+    </p:spTree>
+  </p:cSld>
+  <p:clrMapOvr>
+    <a:masterClrMapping/>
+  </p:clrMapOvr>
+  <p:timing>
+    <p:tnLst>
+      <p:par>
+        <p:cTn id="1" dur="indefinite" restart="never" nodeType="tmRoot"/>
+      </p:par>
+    </p:tnLst>
+  </p:timing>
 </p:sld>
 </file>
 
@@ -4581,8 +5940,21 @@
           <a:p>
             <a:r>
               <a:rPr lang="en-US" sz="2800" dirty="0" smtClean="0"/>
-              <a:t>When browsers started supporting DOM(Document Object Model), interaction became more sophisticated without having to use pop-ups to notify errors of users.</a:t>
-            </a:r>
+              <a:t>When browsers started supporting DOM(Document Object Model), interaction became more </a:t>
+            </a:r>
+            <a:r>
+              <a:rPr lang="en-US" sz="2800" dirty="0" smtClean="0"/>
+              <a:t>sophisticated and </a:t>
+            </a:r>
+            <a:r>
+              <a:rPr lang="en-US" sz="2800" dirty="0" err="1" smtClean="0"/>
+              <a:t>javascript</a:t>
+            </a:r>
+            <a:r>
+              <a:rPr lang="en-US" sz="2800" dirty="0" smtClean="0"/>
+              <a:t> gained attention.</a:t>
+            </a:r>
+            <a:endParaRPr lang="en-US" sz="2800" dirty="0" smtClean="0"/>
           </a:p>
           <a:p>
             <a:r>
@@ -4601,6 +5973,13 @@
   <p:clrMapOvr>
     <a:masterClrMapping/>
   </p:clrMapOvr>
+  <p:timing>
+    <p:tnLst>
+      <p:par>
+        <p:cTn id="1" dur="indefinite" restart="never" nodeType="tmRoot"/>
+      </p:par>
+    </p:tnLst>
+  </p:timing>
 </p:sld>
 </file>
 
@@ -4686,6 +6065,13 @@
   <p:clrMapOvr>
     <a:masterClrMapping/>
   </p:clrMapOvr>
+  <p:timing>
+    <p:tnLst>
+      <p:par>
+        <p:cTn id="1" dur="indefinite" restart="never" nodeType="tmRoot"/>
+      </p:par>
+    </p:tnLst>
+  </p:timing>
 </p:sld>
 </file>
 
@@ -4766,7 +6152,7 @@
             </a:pPr>
             <a:r>
               <a:rPr lang="en-US" dirty="0" smtClean="0"/>
-              <a:t>  </a:t>
+              <a:t>    </a:t>
             </a:r>
             <a:r>
               <a:rPr lang="en-US" dirty="0" err="1" smtClean="0"/>
@@ -4819,6 +6205,13 @@
   <p:clrMapOvr>
     <a:masterClrMapping/>
   </p:clrMapOvr>
+  <p:timing>
+    <p:tnLst>
+      <p:par>
+        <p:cTn id="1" dur="indefinite" restart="never" nodeType="tmRoot"/>
+      </p:par>
+    </p:tnLst>
+  </p:timing>
 </p:sld>
 </file>
 
@@ -4874,12 +6267,18 @@
         </p:nvSpPr>
         <p:spPr/>
         <p:txBody>
-          <a:bodyPr/>
-          <a:lstStyle/>
-          <a:p>
-            <a:r>
-              <a:rPr lang="en-US" dirty="0" err="1" smtClean="0"/>
-              <a:t>Window.alert</a:t>
+          <a:bodyPr>
+            <a:normAutofit fontScale="92500" lnSpcReduction="20000"/>
+          </a:bodyPr>
+          <a:lstStyle/>
+          <a:p>
+            <a:r>
+              <a:rPr lang="en-US" dirty="0" err="1" smtClean="0"/>
+              <a:t>w</a:t>
+            </a:r>
+            <a:r>
+              <a:rPr lang="en-US" dirty="0" err="1" smtClean="0"/>
+              <a:t>indow.alert</a:t>
             </a:r>
             <a:r>
               <a:rPr lang="en-US" dirty="0" smtClean="0"/>
@@ -4887,9 +6286,35 @@
             </a:r>
           </a:p>
           <a:p>
-            <a:r>
-              <a:rPr lang="en-US" dirty="0" err="1" smtClean="0"/>
-              <a:t>Document.write</a:t>
+            <a:pPr>
+              <a:buNone/>
+            </a:pPr>
+            <a:r>
+              <a:rPr lang="en-US" dirty="0" smtClean="0"/>
+              <a:t> </a:t>
+            </a:r>
+            <a:r>
+              <a:rPr lang="en-US" dirty="0" smtClean="0"/>
+              <a:t>    Ex: </a:t>
+            </a:r>
+            <a:r>
+              <a:rPr lang="en-US" dirty="0" err="1" smtClean="0"/>
+              <a:t>window.alert</a:t>
+            </a:r>
+            <a:r>
+              <a:rPr lang="en-US" dirty="0" smtClean="0"/>
+              <a:t>(“Hello world”)</a:t>
+            </a:r>
+            <a:endParaRPr lang="en-US" dirty="0" smtClean="0"/>
+          </a:p>
+          <a:p>
+            <a:r>
+              <a:rPr lang="en-US" dirty="0" err="1" smtClean="0"/>
+              <a:t>d</a:t>
+            </a:r>
+            <a:r>
+              <a:rPr lang="en-US" dirty="0" err="1" smtClean="0"/>
+              <a:t>ocument.write</a:t>
             </a:r>
             <a:r>
               <a:rPr lang="en-US" dirty="0" smtClean="0"/>
@@ -4897,6 +6322,24 @@
             </a:r>
           </a:p>
           <a:p>
+            <a:pPr>
+              <a:buNone/>
+            </a:pPr>
+            <a:r>
+              <a:rPr lang="en-US" dirty="0" smtClean="0"/>
+              <a:t>     Ex: </a:t>
+            </a:r>
+            <a:r>
+              <a:rPr lang="en-US" dirty="0" err="1" smtClean="0"/>
+              <a:t>document.write</a:t>
+            </a:r>
+            <a:r>
+              <a:rPr lang="en-US" dirty="0" smtClean="0"/>
+              <a:t>(“Hello world”)</a:t>
+            </a:r>
+            <a:endParaRPr lang="en-US" dirty="0" smtClean="0"/>
+          </a:p>
+          <a:p>
             <a:r>
               <a:rPr lang="en-US" dirty="0" err="1" smtClean="0"/>
               <a:t>innerHTML</a:t>
@@ -4904,10 +6347,66 @@
             <a:endParaRPr lang="en-US" dirty="0" smtClean="0"/>
           </a:p>
           <a:p>
-            <a:r>
-              <a:rPr lang="en-US" dirty="0" smtClean="0"/>
-              <a:t>Console.log()</a:t>
-            </a:r>
+            <a:pPr>
+              <a:buNone/>
+            </a:pPr>
+            <a:r>
+              <a:rPr lang="en-US" dirty="0" smtClean="0"/>
+              <a:t> </a:t>
+            </a:r>
+            <a:r>
+              <a:rPr lang="en-US" dirty="0" smtClean="0"/>
+              <a:t>   Ex: </a:t>
+            </a:r>
+            <a:r>
+              <a:rPr lang="en-US" dirty="0" err="1" smtClean="0"/>
+              <a:t>document.getElementById</a:t>
+            </a:r>
+            <a:r>
+              <a:rPr lang="en-US" dirty="0" smtClean="0"/>
+              <a:t>("demo").</a:t>
+            </a:r>
+            <a:r>
+              <a:rPr lang="en-US" dirty="0" err="1" smtClean="0"/>
+              <a:t>innerHTML</a:t>
+            </a:r>
+            <a:r>
+              <a:rPr lang="en-US" dirty="0" smtClean="0"/>
+              <a:t> = "Paragraph changed</a:t>
+            </a:r>
+            <a:r>
+              <a:rPr lang="en-US" dirty="0" smtClean="0"/>
+              <a:t>!"</a:t>
+            </a:r>
+            <a:endParaRPr lang="en-US" dirty="0" smtClean="0"/>
+          </a:p>
+          <a:p>
+            <a:r>
+              <a:rPr lang="en-US" dirty="0" smtClean="0"/>
+              <a:t>c</a:t>
+            </a:r>
+            <a:r>
+              <a:rPr lang="en-US" dirty="0" smtClean="0"/>
+              <a:t>onsole.log()</a:t>
+            </a:r>
+          </a:p>
+          <a:p>
+            <a:pPr>
+              <a:buNone/>
+            </a:pPr>
+            <a:r>
+              <a:rPr lang="en-US" dirty="0" smtClean="0"/>
+              <a:t> </a:t>
+            </a:r>
+            <a:r>
+              <a:rPr lang="en-US" dirty="0" smtClean="0"/>
+              <a:t>    Ex: console.log(“Hello”)</a:t>
+            </a:r>
+          </a:p>
+          <a:p>
+            <a:pPr>
+              <a:buNone/>
+            </a:pPr>
             <a:endParaRPr lang="en-US" dirty="0"/>
           </a:p>
         </p:txBody>
@@ -4917,6 +6416,13 @@
   <p:clrMapOvr>
     <a:masterClrMapping/>
   </p:clrMapOvr>
+  <p:timing>
+    <p:tnLst>
+      <p:par>
+        <p:cTn id="1" dur="indefinite" restart="never" nodeType="tmRoot"/>
+      </p:par>
+    </p:tnLst>
+  </p:timing>
 </p:sld>
 </file>
 
@@ -5030,15 +6536,51 @@
               <a:rPr lang="en-US" dirty="0" smtClean="0">
                 <a:sym typeface="Wingdings" pitchFamily="2" charset="2"/>
               </a:rPr>
-              <a:t>, x is used to store data.</a:t>
-            </a:r>
-          </a:p>
-          <a:p>
+              <a:t>, x is used </a:t>
+            </a:r>
             <a:r>
               <a:rPr lang="en-US" dirty="0" smtClean="0">
                 <a:sym typeface="Wingdings" pitchFamily="2" charset="2"/>
               </a:rPr>
-              <a:t>Operators : Assignment and arithmetic to assign values and perform operations respectively.</a:t>
+              <a:t>to </a:t>
+            </a:r>
+            <a:r>
+              <a:rPr lang="en-US" dirty="0" smtClean="0">
+                <a:sym typeface="Wingdings" pitchFamily="2" charset="2"/>
+              </a:rPr>
+              <a:t>store data.</a:t>
+            </a:r>
+          </a:p>
+          <a:p>
+            <a:r>
+              <a:rPr lang="en-US" dirty="0" smtClean="0">
+                <a:sym typeface="Wingdings" pitchFamily="2" charset="2"/>
+              </a:rPr>
+              <a:t>Operators : </a:t>
+            </a:r>
+            <a:r>
+              <a:rPr lang="en-US" dirty="0" smtClean="0">
+                <a:sym typeface="Wingdings" pitchFamily="2" charset="2"/>
+              </a:rPr>
+              <a:t>Assignment(=) </a:t>
+            </a:r>
+            <a:r>
+              <a:rPr lang="en-US" dirty="0" smtClean="0">
+                <a:sym typeface="Wingdings" pitchFamily="2" charset="2"/>
+              </a:rPr>
+              <a:t>and </a:t>
+            </a:r>
+            <a:r>
+              <a:rPr lang="en-US" dirty="0" smtClean="0">
+                <a:sym typeface="Wingdings" pitchFamily="2" charset="2"/>
+              </a:rPr>
+              <a:t>arithmetic(+,-,*,%,/) </a:t>
+            </a:r>
+            <a:r>
+              <a:rPr lang="en-US" dirty="0" smtClean="0">
+                <a:sym typeface="Wingdings" pitchFamily="2" charset="2"/>
+              </a:rPr>
+              <a:t>to assign values and perform operations respectively.</a:t>
             </a:r>
           </a:p>
           <a:p>
@@ -5114,6 +6656,13 @@
   <p:clrMapOvr>
     <a:masterClrMapping/>
   </p:clrMapOvr>
+  <p:timing>
+    <p:tnLst>
+      <p:par>
+        <p:cTn id="1" dur="indefinite" restart="never" nodeType="tmRoot"/>
+      </p:par>
+    </p:tnLst>
+  </p:timing>
 </p:sld>
 </file>
 
@@ -5224,7 +6773,7 @@
             </a:r>
             <a:r>
               <a:rPr lang="en-US" dirty="0" smtClean="0"/>
-              <a:t> colors = [“red”, ”orange”, ”blue”]</a:t>
+              <a:t> colors = [“red”, ”orange”, ”blue”])</a:t>
             </a:r>
           </a:p>
           <a:p>
@@ -5289,6 +6838,13 @@
   <p:clrMapOvr>
     <a:masterClrMapping/>
   </p:clrMapOvr>
+  <p:timing>
+    <p:tnLst>
+      <p:par>
+        <p:cTn id="1" dur="indefinite" restart="never" nodeType="tmRoot"/>
+      </p:par>
+    </p:tnLst>
+  </p:timing>
 </p:sld>
 </file>
 
@@ -5468,6 +7024,13 @@
   <p:clrMapOvr>
     <a:masterClrMapping/>
   </p:clrMapOvr>
+  <p:timing>
+    <p:tnLst>
+      <p:par>
+        <p:cTn id="1" dur="indefinite" restart="never" nodeType="tmRoot"/>
+      </p:par>
+    </p:tnLst>
+  </p:timing>
 </p:sld>
 </file>
 

--- a/JAVASCRIPT.pptx
+++ b/JAVASCRIPT.pptx
@@ -128,6 +128,22 @@
       </a:defRPr>
     </a:lvl9pPr>
   </p:defaultTextStyle>
+  <p:extLst>
+    <p:ext uri="{EFAFB233-063F-42B5-8137-9DF3F51BA10A}">
+      <p15:sldGuideLst xmlns:p15="http://schemas.microsoft.com/office/powerpoint/2012/main">
+        <p15:guide id="1" orient="horz" pos="2160">
+          <p15:clr>
+            <a:srgbClr val="A4A3A4"/>
+          </p15:clr>
+        </p15:guide>
+        <p15:guide id="2" pos="2880">
+          <p15:clr>
+            <a:srgbClr val="A4A3A4"/>
+          </p15:clr>
+        </p15:guide>
+      </p15:sldGuideLst>
+    </p:ext>
+  </p:extLst>
 </p:presentation>
 </file>
 
@@ -214,7 +230,7 @@
             <a:fld id="{82BDEB9D-3781-45A0-A7C0-B17E589252D1}" type="datetimeFigureOut">
               <a:rPr lang="en-US" smtClean="0"/>
               <a:pPr/>
-              <a:t>6/25/2015</a:t>
+              <a:t>7/13/2015</a:t>
             </a:fld>
             <a:endParaRPr lang="en-US"/>
           </a:p>
@@ -383,6 +399,11 @@
         </p:txBody>
       </p:sp>
     </p:spTree>
+    <p:extLst>
+      <p:ext uri="{BB962C8B-B14F-4D97-AF65-F5344CB8AC3E}">
+        <p14:creationId xmlns:p14="http://schemas.microsoft.com/office/powerpoint/2010/main" val="959343271"/>
+      </p:ext>
+    </p:extLst>
   </p:cSld>
   <p:clrMap bg1="lt1" tx1="dk1" bg2="lt2" tx2="dk2" accent1="accent1" accent2="accent2" accent3="accent3" accent4="accent4" accent5="accent5" accent6="accent6" hlink="hlink" folHlink="folHlink"/>
   <p:notesStyle>
@@ -555,6 +576,11 @@
         </p:txBody>
       </p:sp>
     </p:spTree>
+    <p:extLst>
+      <p:ext uri="{BB962C8B-B14F-4D97-AF65-F5344CB8AC3E}">
+        <p14:creationId xmlns:p14="http://schemas.microsoft.com/office/powerpoint/2010/main" val="1768688958"/>
+      </p:ext>
+    </p:extLst>
   </p:cSld>
   <p:clrMapOvr>
     <a:masterClrMapping/>
@@ -744,7 +770,7 @@
             <a:fld id="{43403CA0-C24D-4139-B45F-BDD5C66CCF84}" type="datetimeFigureOut">
               <a:rPr lang="en-US" smtClean="0"/>
               <a:pPr/>
-              <a:t>6/25/2015</a:t>
+              <a:t>7/13/2015</a:t>
             </a:fld>
             <a:endParaRPr lang="en-US"/>
           </a:p>
@@ -911,7 +937,7 @@
             <a:fld id="{43403CA0-C24D-4139-B45F-BDD5C66CCF84}" type="datetimeFigureOut">
               <a:rPr lang="en-US" smtClean="0"/>
               <a:pPr/>
-              <a:t>6/25/2015</a:t>
+              <a:t>7/13/2015</a:t>
             </a:fld>
             <a:endParaRPr lang="en-US"/>
           </a:p>
@@ -1088,7 +1114,7 @@
             <a:fld id="{43403CA0-C24D-4139-B45F-BDD5C66CCF84}" type="datetimeFigureOut">
               <a:rPr lang="en-US" smtClean="0"/>
               <a:pPr/>
-              <a:t>6/25/2015</a:t>
+              <a:t>7/13/2015</a:t>
             </a:fld>
             <a:endParaRPr lang="en-US"/>
           </a:p>
@@ -1255,7 +1281,7 @@
             <a:fld id="{43403CA0-C24D-4139-B45F-BDD5C66CCF84}" type="datetimeFigureOut">
               <a:rPr lang="en-US" smtClean="0"/>
               <a:pPr/>
-              <a:t>6/25/2015</a:t>
+              <a:t>7/13/2015</a:t>
             </a:fld>
             <a:endParaRPr lang="en-US"/>
           </a:p>
@@ -1498,7 +1524,7 @@
             <a:fld id="{43403CA0-C24D-4139-B45F-BDD5C66CCF84}" type="datetimeFigureOut">
               <a:rPr lang="en-US" smtClean="0"/>
               <a:pPr/>
-              <a:t>6/25/2015</a:t>
+              <a:t>7/13/2015</a:t>
             </a:fld>
             <a:endParaRPr lang="en-US"/>
           </a:p>
@@ -1783,7 +1809,7 @@
             <a:fld id="{43403CA0-C24D-4139-B45F-BDD5C66CCF84}" type="datetimeFigureOut">
               <a:rPr lang="en-US" smtClean="0"/>
               <a:pPr/>
-              <a:t>6/25/2015</a:t>
+              <a:t>7/13/2015</a:t>
             </a:fld>
             <a:endParaRPr lang="en-US"/>
           </a:p>
@@ -2202,7 +2228,7 @@
             <a:fld id="{43403CA0-C24D-4139-B45F-BDD5C66CCF84}" type="datetimeFigureOut">
               <a:rPr lang="en-US" smtClean="0"/>
               <a:pPr/>
-              <a:t>6/25/2015</a:t>
+              <a:t>7/13/2015</a:t>
             </a:fld>
             <a:endParaRPr lang="en-US"/>
           </a:p>
@@ -2317,7 +2343,7 @@
             <a:fld id="{43403CA0-C24D-4139-B45F-BDD5C66CCF84}" type="datetimeFigureOut">
               <a:rPr lang="en-US" smtClean="0"/>
               <a:pPr/>
-              <a:t>6/25/2015</a:t>
+              <a:t>7/13/2015</a:t>
             </a:fld>
             <a:endParaRPr lang="en-US"/>
           </a:p>
@@ -2409,7 +2435,7 @@
             <a:fld id="{43403CA0-C24D-4139-B45F-BDD5C66CCF84}" type="datetimeFigureOut">
               <a:rPr lang="en-US" smtClean="0"/>
               <a:pPr/>
-              <a:t>6/25/2015</a:t>
+              <a:t>7/13/2015</a:t>
             </a:fld>
             <a:endParaRPr lang="en-US"/>
           </a:p>
@@ -2683,7 +2709,7 @@
             <a:fld id="{43403CA0-C24D-4139-B45F-BDD5C66CCF84}" type="datetimeFigureOut">
               <a:rPr lang="en-US" smtClean="0"/>
               <a:pPr/>
-              <a:t>6/25/2015</a:t>
+              <a:t>7/13/2015</a:t>
             </a:fld>
             <a:endParaRPr lang="en-US"/>
           </a:p>
@@ -2933,7 +2959,7 @@
             <a:fld id="{43403CA0-C24D-4139-B45F-BDD5C66CCF84}" type="datetimeFigureOut">
               <a:rPr lang="en-US" smtClean="0"/>
               <a:pPr/>
-              <a:t>6/25/2015</a:t>
+              <a:t>7/13/2015</a:t>
             </a:fld>
             <a:endParaRPr lang="en-US"/>
           </a:p>
@@ -3143,7 +3169,7 @@
             <a:fld id="{43403CA0-C24D-4139-B45F-BDD5C66CCF84}" type="datetimeFigureOut">
               <a:rPr lang="en-US" smtClean="0"/>
               <a:pPr/>
-              <a:t>6/25/2015</a:t>
+              <a:t>7/13/2015</a:t>
             </a:fld>
             <a:endParaRPr lang="en-US"/>
           </a:p>
@@ -3718,17 +3744,15 @@
               <a:rPr lang="en-US" dirty="0" smtClean="0"/>
               <a:t>.</a:t>
             </a:r>
+          </a:p>
+          <a:p>
             <a:endParaRPr lang="en-US" dirty="0" smtClean="0"/>
           </a:p>
           <a:p>
-            <a:endParaRPr lang="en-US" dirty="0" smtClean="0"/>
-          </a:p>
-          <a:p>
             <a:r>
               <a:rPr lang="en-US" dirty="0" smtClean="0"/>
               <a:t>Event handlers can be used to handle, and verify, user input, user actions, and browser actions.</a:t>
             </a:r>
-            <a:endParaRPr lang="en-US" dirty="0" smtClean="0"/>
           </a:p>
         </p:txBody>
       </p:sp>
@@ -3831,11 +3855,7 @@
             </a:pPr>
             <a:r>
               <a:rPr lang="en-US" dirty="0" smtClean="0"/>
-              <a:t> </a:t>
-            </a:r>
-            <a:r>
-              <a:rPr lang="en-US" dirty="0" smtClean="0"/>
-              <a:t>   Ex: </a:t>
+              <a:t>    Ex: </a:t>
             </a:r>
             <a:r>
               <a:rPr lang="en-US" dirty="0" err="1" smtClean="0"/>
@@ -3852,11 +3872,7 @@
             </a:pPr>
             <a:r>
               <a:rPr lang="en-US" dirty="0" smtClean="0"/>
-              <a:t> </a:t>
-            </a:r>
-            <a:r>
-              <a:rPr lang="en-US" dirty="0" smtClean="0"/>
-              <a:t>          </a:t>
+              <a:t>           </a:t>
             </a:r>
             <a:r>
               <a:rPr lang="en-US" dirty="0" err="1" smtClean="0"/>
@@ -3877,7 +3893,6 @@
               <a:rPr lang="en-US" dirty="0" smtClean="0"/>
               <a:t>Strings can be objects.</a:t>
             </a:r>
-            <a:endParaRPr lang="en-US" dirty="0" smtClean="0"/>
           </a:p>
           <a:p>
             <a:r>
@@ -3890,15 +3905,7 @@
             </a:r>
             <a:r>
               <a:rPr lang="en-US" dirty="0" smtClean="0"/>
-              <a:t>, search</a:t>
-            </a:r>
-            <a:r>
-              <a:rPr lang="en-US" dirty="0" smtClean="0"/>
-              <a:t>, slice, </a:t>
-            </a:r>
-            <a:r>
-              <a:rPr lang="en-US" dirty="0" smtClean="0"/>
-              <a:t>substring, </a:t>
+              <a:t>, search, slice, substring, </a:t>
             </a:r>
             <a:r>
               <a:rPr lang="en-US" dirty="0" err="1" smtClean="0"/>
@@ -3914,15 +3921,7 @@
             </a:r>
             <a:r>
               <a:rPr lang="en-US" dirty="0" smtClean="0"/>
-              <a:t> </a:t>
-            </a:r>
-            <a:r>
-              <a:rPr lang="en-US" dirty="0" smtClean="0"/>
-              <a:t>etc… </a:t>
-            </a:r>
-            <a:r>
-              <a:rPr lang="en-US" dirty="0" smtClean="0"/>
-              <a:t>to manipulate them.</a:t>
+              <a:t> etc… to manipulate them.</a:t>
             </a:r>
             <a:endParaRPr lang="en-US" dirty="0"/>
           </a:p>
@@ -4015,11 +4014,7 @@
             </a:pPr>
             <a:r>
               <a:rPr lang="en-US" dirty="0" smtClean="0"/>
-              <a:t> </a:t>
-            </a:r>
-            <a:r>
-              <a:rPr lang="en-US" dirty="0" smtClean="0"/>
-              <a:t>    </a:t>
+              <a:t>     </a:t>
             </a:r>
             <a:r>
               <a:rPr lang="en-US" dirty="0" err="1" smtClean="0"/>
@@ -4044,11 +4039,7 @@
             </a:pPr>
             <a:r>
               <a:rPr lang="en-US" dirty="0" smtClean="0"/>
-              <a:t> </a:t>
-            </a:r>
-            <a:r>
-              <a:rPr lang="en-US" dirty="0" smtClean="0"/>
-              <a:t>    </a:t>
+              <a:t>     </a:t>
             </a:r>
             <a:r>
               <a:rPr lang="en-US" dirty="0" err="1" smtClean="0"/>
@@ -4070,11 +4061,7 @@
           <a:p>
             <a:r>
               <a:rPr lang="en-US" dirty="0" smtClean="0"/>
-              <a:t>s</a:t>
-            </a:r>
-            <a:r>
-              <a:rPr lang="en-US" dirty="0" smtClean="0"/>
-              <a:t>lice – extracts a part of string </a:t>
+              <a:t>slice – extracts a part of string </a:t>
             </a:r>
           </a:p>
           <a:p>
@@ -4083,11 +4070,7 @@
             </a:pPr>
             <a:r>
               <a:rPr lang="en-US" dirty="0" smtClean="0"/>
-              <a:t> </a:t>
-            </a:r>
-            <a:r>
-              <a:rPr lang="en-US" dirty="0" smtClean="0"/>
-              <a:t>    </a:t>
+              <a:t>     </a:t>
             </a:r>
             <a:r>
               <a:rPr lang="en-US" dirty="0" err="1" smtClean="0"/>
@@ -4109,21 +4092,13 @@
           <a:p>
             <a:r>
               <a:rPr lang="en-US" dirty="0" smtClean="0"/>
-              <a:t>s</a:t>
-            </a:r>
-            <a:r>
-              <a:rPr lang="en-US" dirty="0" smtClean="0"/>
-              <a:t>ubstring – similar to slice but it cannot accept negative values.</a:t>
-            </a:r>
-          </a:p>
-          <a:p>
-            <a:r>
-              <a:rPr lang="en-US" dirty="0" err="1" smtClean="0"/>
-              <a:t>s</a:t>
-            </a:r>
-            <a:r>
-              <a:rPr lang="en-US" dirty="0" err="1" smtClean="0"/>
-              <a:t>ubstr</a:t>
+              <a:t>substring – similar to slice but it cannot accept negative values.</a:t>
+            </a:r>
+          </a:p>
+          <a:p>
+            <a:r>
+              <a:rPr lang="en-US" dirty="0" err="1" smtClean="0"/>
+              <a:t>substr</a:t>
             </a:r>
             <a:r>
               <a:rPr lang="en-US" dirty="0" smtClean="0"/>
@@ -4205,41 +4180,50 @@
             </a:pPr>
             <a:r>
               <a:rPr lang="en-US" dirty="0" smtClean="0"/>
-              <a:t> </a:t>
-            </a:r>
+              <a:t>    </a:t>
+            </a:r>
+            <a:r>
+              <a:rPr lang="en-US" dirty="0" err="1" smtClean="0"/>
+              <a:t>str.replace</a:t>
+            </a:r>
+            <a:r>
+              <a:rPr lang="en-US" dirty="0" smtClean="0"/>
+              <a:t>(“</a:t>
+            </a:r>
+            <a:r>
+              <a:rPr lang="en-US" dirty="0" err="1" smtClean="0"/>
+              <a:t>a”,”the</a:t>
+            </a:r>
+            <a:r>
+              <a:rPr lang="en-US" dirty="0" smtClean="0"/>
+              <a:t>”)</a:t>
+            </a:r>
+          </a:p>
+          <a:p>
+            <a:r>
+              <a:rPr lang="en-US" dirty="0" err="1" smtClean="0"/>
+              <a:t>concat</a:t>
+            </a:r>
+            <a:r>
+              <a:rPr lang="en-US" dirty="0" smtClean="0"/>
+              <a:t>   - join two or more strings.</a:t>
+            </a:r>
+          </a:p>
+          <a:p>
+            <a:pPr>
+              <a:buNone/>
+            </a:pPr>
             <a:r>
               <a:rPr lang="en-US" dirty="0" smtClean="0"/>
               <a:t>   </a:t>
             </a:r>
             <a:r>
               <a:rPr lang="en-US" dirty="0" err="1" smtClean="0"/>
-              <a:t>str.replace</a:t>
-            </a:r>
-            <a:r>
-              <a:rPr lang="en-US" dirty="0" smtClean="0"/>
-              <a:t>(“</a:t>
-            </a:r>
-            <a:r>
-              <a:rPr lang="en-US" dirty="0" err="1" smtClean="0"/>
-              <a:t>a”,”the</a:t>
-            </a:r>
-            <a:r>
-              <a:rPr lang="en-US" dirty="0" smtClean="0"/>
-              <a:t>”)</a:t>
-            </a:r>
-          </a:p>
-          <a:p>
-            <a:r>
-              <a:rPr lang="en-US" dirty="0" err="1" smtClean="0"/>
-              <a:t>c</a:t>
-            </a:r>
-            <a:r>
-              <a:rPr lang="en-US" dirty="0" err="1" smtClean="0"/>
-              <a:t>oncat</a:t>
-            </a:r>
-            <a:r>
-              <a:rPr lang="en-US" dirty="0" smtClean="0"/>
-              <a:t>   - join two or more strings.</a:t>
+              <a:t>var</a:t>
+            </a:r>
+            <a:r>
+              <a:rPr lang="en-US" dirty="0" smtClean="0"/>
+              <a:t> text1 = “hello”</a:t>
             </a:r>
           </a:p>
           <a:p>
@@ -4248,11 +4232,7 @@
             </a:pPr>
             <a:r>
               <a:rPr lang="en-US" dirty="0" smtClean="0"/>
-              <a:t> </a:t>
-            </a:r>
-            <a:r>
-              <a:rPr lang="en-US" dirty="0" smtClean="0"/>
-              <a:t>  </a:t>
+              <a:t>   </a:t>
             </a:r>
             <a:r>
               <a:rPr lang="en-US" dirty="0" err="1" smtClean="0"/>
@@ -4260,7 +4240,7 @@
             </a:r>
             <a:r>
               <a:rPr lang="en-US" dirty="0" smtClean="0"/>
-              <a:t> text1 = “hello”</a:t>
+              <a:t> text2 = “world”</a:t>
             </a:r>
           </a:p>
           <a:p>
@@ -4269,32 +4249,7 @@
             </a:pPr>
             <a:r>
               <a:rPr lang="en-US" dirty="0" smtClean="0"/>
-              <a:t> </a:t>
-            </a:r>
-            <a:r>
-              <a:rPr lang="en-US" dirty="0" smtClean="0"/>
-              <a:t>  </a:t>
-            </a:r>
-            <a:r>
-              <a:rPr lang="en-US" dirty="0" err="1" smtClean="0"/>
-              <a:t>var</a:t>
-            </a:r>
-            <a:r>
-              <a:rPr lang="en-US" dirty="0" smtClean="0"/>
-              <a:t> text2 = “world”</a:t>
-            </a:r>
-          </a:p>
-          <a:p>
-            <a:pPr>
-              <a:buNone/>
-            </a:pPr>
-            <a:r>
-              <a:rPr lang="en-US" dirty="0" smtClean="0"/>
-              <a:t> </a:t>
-            </a:r>
-            <a:r>
-              <a:rPr lang="en-US" dirty="0" smtClean="0"/>
-              <a:t>  text3 = text1.concat(text2) </a:t>
+              <a:t>   text3 = text1.concat(text2) </a:t>
             </a:r>
           </a:p>
           <a:p>
@@ -4510,11 +4465,7 @@
             </a:pPr>
             <a:r>
               <a:rPr lang="en-US" dirty="0" smtClean="0"/>
-              <a:t> </a:t>
-            </a:r>
-            <a:r>
-              <a:rPr lang="en-US" dirty="0" smtClean="0"/>
-              <a:t>  Ex: </a:t>
+              <a:t>   Ex: </a:t>
             </a:r>
             <a:r>
               <a:rPr lang="en-US" dirty="0" err="1" smtClean="0"/>
@@ -4541,11 +4492,7 @@
             </a:pPr>
             <a:r>
               <a:rPr lang="en-US" dirty="0" smtClean="0"/>
-              <a:t> </a:t>
-            </a:r>
-            <a:r>
-              <a:rPr lang="en-US" dirty="0" smtClean="0"/>
-              <a:t>   Ex: </a:t>
+              <a:t>    Ex: </a:t>
             </a:r>
             <a:r>
               <a:rPr lang="en-US" dirty="0" err="1" smtClean="0"/>
@@ -4562,11 +4509,7 @@
             </a:pPr>
             <a:r>
               <a:rPr lang="en-US" dirty="0" smtClean="0"/>
-              <a:t> </a:t>
-            </a:r>
-            <a:r>
-              <a:rPr lang="en-US" dirty="0" smtClean="0"/>
-              <a:t>         </a:t>
+              <a:t>          </a:t>
             </a:r>
             <a:r>
               <a:rPr lang="en-US" dirty="0" err="1" smtClean="0"/>
@@ -4692,11 +4635,7 @@
             </a:r>
             <a:r>
               <a:rPr lang="en-US" dirty="0" smtClean="0"/>
-              <a:t> </a:t>
-            </a:r>
-            <a:r>
-              <a:rPr lang="en-US" dirty="0" smtClean="0"/>
-              <a:t>etc.. </a:t>
+              <a:t> etc.. </a:t>
             </a:r>
             <a:endParaRPr lang="en-US" dirty="0"/>
           </a:p>
@@ -4776,11 +4715,7 @@
           <a:p>
             <a:r>
               <a:rPr lang="en-US" dirty="0" smtClean="0"/>
-              <a:t>p</a:t>
-            </a:r>
-            <a:r>
-              <a:rPr lang="en-US" dirty="0" smtClean="0"/>
-              <a:t>ush – adds an element at the end.</a:t>
+              <a:t>push – adds an element at the end.</a:t>
             </a:r>
           </a:p>
           <a:p>
@@ -4789,11 +4724,7 @@
             </a:pPr>
             <a:r>
               <a:rPr lang="en-US" dirty="0" smtClean="0"/>
-              <a:t> </a:t>
-            </a:r>
-            <a:r>
-              <a:rPr lang="en-US" dirty="0" smtClean="0"/>
-              <a:t>   </a:t>
+              <a:t>    </a:t>
             </a:r>
             <a:r>
               <a:rPr lang="en-US" dirty="0" err="1" smtClean="0"/>
@@ -4807,11 +4738,7 @@
           <a:p>
             <a:r>
               <a:rPr lang="en-US" dirty="0" smtClean="0"/>
-              <a:t>p</a:t>
-            </a:r>
-            <a:r>
-              <a:rPr lang="en-US" dirty="0" smtClean="0"/>
-              <a:t>op -  removes the last element from the array.</a:t>
+              <a:t>pop -  removes the last element from the array.</a:t>
             </a:r>
           </a:p>
           <a:p>
@@ -4820,21 +4747,13 @@
             </a:pPr>
             <a:r>
               <a:rPr lang="en-US" dirty="0" smtClean="0"/>
-              <a:t> </a:t>
-            </a:r>
-            <a:r>
-              <a:rPr lang="en-US" dirty="0" smtClean="0"/>
-              <a:t>   fruits.pop() </a:t>
-            </a:r>
-          </a:p>
-          <a:p>
-            <a:r>
-              <a:rPr lang="en-US" dirty="0" smtClean="0"/>
-              <a:t>s</a:t>
-            </a:r>
-            <a:r>
-              <a:rPr lang="en-US" dirty="0" smtClean="0"/>
-              <a:t>ort – sorts an array alphabetically</a:t>
+              <a:t>    fruits.pop() </a:t>
+            </a:r>
+          </a:p>
+          <a:p>
+            <a:r>
+              <a:rPr lang="en-US" dirty="0" smtClean="0"/>
+              <a:t>sort – sorts an array alphabetically</a:t>
             </a:r>
           </a:p>
           <a:p>
@@ -4843,11 +4762,7 @@
             </a:pPr>
             <a:r>
               <a:rPr lang="en-US" dirty="0" smtClean="0"/>
-              <a:t> </a:t>
-            </a:r>
-            <a:r>
-              <a:rPr lang="en-US" dirty="0" smtClean="0"/>
-              <a:t>    </a:t>
+              <a:t>     </a:t>
             </a:r>
             <a:r>
               <a:rPr lang="en-US" dirty="0" err="1" smtClean="0"/>
@@ -4861,11 +4776,7 @@
           <a:p>
             <a:r>
               <a:rPr lang="en-US" dirty="0" smtClean="0"/>
-              <a:t>r</a:t>
-            </a:r>
-            <a:r>
-              <a:rPr lang="en-US" dirty="0" smtClean="0"/>
-              <a:t>everse – reverses the elements of array.</a:t>
+              <a:t>reverse – reverses the elements of array.</a:t>
             </a:r>
           </a:p>
           <a:p>
@@ -4954,11 +4865,7 @@
           <a:p>
             <a:r>
               <a:rPr lang="en-US" dirty="0" smtClean="0"/>
-              <a:t>s</a:t>
-            </a:r>
-            <a:r>
-              <a:rPr lang="en-US" dirty="0" smtClean="0"/>
-              <a:t>lice – slices out a piece of array .</a:t>
+              <a:t>slice – slices out a piece of array .</a:t>
             </a:r>
           </a:p>
           <a:p>
@@ -4967,11 +4874,7 @@
             </a:pPr>
             <a:r>
               <a:rPr lang="en-US" dirty="0" smtClean="0"/>
-              <a:t> </a:t>
-            </a:r>
-            <a:r>
-              <a:rPr lang="en-US" dirty="0" smtClean="0"/>
-              <a:t>   </a:t>
+              <a:t>    </a:t>
             </a:r>
             <a:r>
               <a:rPr lang="en-US" dirty="0" err="1" smtClean="0"/>
@@ -4985,11 +4888,7 @@
           <a:p>
             <a:r>
               <a:rPr lang="en-US" dirty="0" err="1" smtClean="0"/>
-              <a:t>c</a:t>
-            </a:r>
-            <a:r>
-              <a:rPr lang="en-US" dirty="0" err="1" smtClean="0"/>
-              <a:t>oncat</a:t>
+              <a:t>concat</a:t>
             </a:r>
             <a:r>
               <a:rPr lang="en-US" dirty="0" smtClean="0"/>
@@ -5002,11 +4901,7 @@
             </a:pPr>
             <a:r>
               <a:rPr lang="en-US" dirty="0" smtClean="0"/>
-              <a:t> </a:t>
-            </a:r>
-            <a:r>
-              <a:rPr lang="en-US" dirty="0" smtClean="0"/>
-              <a:t>   </a:t>
+              <a:t>    </a:t>
             </a:r>
             <a:r>
               <a:rPr lang="en-US" dirty="0" err="1" smtClean="0"/>
@@ -5235,11 +5130,7 @@
             </a:r>
             <a:r>
               <a:rPr lang="en-US" sz="2800" dirty="0" smtClean="0"/>
-              <a:t> </a:t>
-            </a:r>
-            <a:r>
-              <a:rPr lang="en-US" sz="2800" dirty="0" smtClean="0"/>
-              <a:t>is most commonly used as client side scripting language.</a:t>
+              <a:t> is most commonly used as client side scripting language.</a:t>
             </a:r>
           </a:p>
           <a:p>
@@ -5289,11 +5180,7 @@
             </a:r>
             <a:r>
               <a:rPr lang="en-US" sz="2800" dirty="0" smtClean="0"/>
-              <a:t> enhances the way web page </a:t>
-            </a:r>
-            <a:r>
-              <a:rPr lang="en-US" sz="2800" dirty="0" smtClean="0"/>
-              <a:t>works.</a:t>
+              <a:t> enhances the way web page works.</a:t>
             </a:r>
             <a:endParaRPr lang="en-US" sz="2800" dirty="0"/>
           </a:p>
@@ -5408,11 +5295,7 @@
           <a:p>
             <a:r>
               <a:rPr lang="en-US" dirty="0" smtClean="0"/>
-              <a:t>[ ] – used to match range of characters between </a:t>
-            </a:r>
-            <a:r>
-              <a:rPr lang="en-US" dirty="0" smtClean="0"/>
-              <a:t>brackets. For </a:t>
+              <a:t>[ ] – used to match range of characters between brackets. For </a:t>
             </a:r>
             <a:r>
               <a:rPr lang="en-US" dirty="0" err="1" smtClean="0"/>
@@ -5422,7 +5305,6 @@
               <a:rPr lang="en-US" dirty="0" smtClean="0"/>
               <a:t> [a-z] matches alphabets.</a:t>
             </a:r>
-            <a:endParaRPr lang="en-US" dirty="0" smtClean="0"/>
           </a:p>
           <a:p>
             <a:r>
@@ -5444,11 +5326,7 @@
             </a:pPr>
             <a:r>
               <a:rPr lang="en-US" dirty="0" smtClean="0"/>
-              <a:t> </a:t>
-            </a:r>
-            <a:r>
-              <a:rPr lang="en-US" dirty="0" smtClean="0"/>
-              <a:t>    n* - matches zero or more </a:t>
+              <a:t>     n* - matches zero or more </a:t>
             </a:r>
             <a:r>
               <a:rPr lang="en-US" dirty="0" err="1" smtClean="0"/>
@@ -5458,7 +5336,6 @@
               <a:rPr lang="en-US" dirty="0" smtClean="0"/>
               <a:t> of n.</a:t>
             </a:r>
-            <a:endParaRPr lang="en-US" dirty="0" smtClean="0"/>
           </a:p>
           <a:p>
             <a:r>
@@ -5578,13 +5455,8 @@
             </a:r>
             <a:r>
               <a:rPr lang="en-US" dirty="0" smtClean="0"/>
-              <a:t> property</a:t>
-            </a:r>
-            <a:r>
-              <a:rPr lang="en-US" dirty="0" smtClean="0"/>
-              <a:t>.</a:t>
-            </a:r>
-            <a:endParaRPr lang="en-US" dirty="0" smtClean="0"/>
+              <a:t> property.</a:t>
+            </a:r>
           </a:p>
           <a:p>
             <a:pPr>
@@ -5592,26 +5464,14 @@
             </a:pPr>
             <a:r>
               <a:rPr lang="en-US" dirty="0" smtClean="0"/>
-              <a:t> </a:t>
-            </a:r>
-            <a:r>
-              <a:rPr lang="en-US" dirty="0" smtClean="0"/>
-              <a:t>     Ex:&lt;html</a:t>
-            </a:r>
-            <a:r>
-              <a:rPr lang="en-US" dirty="0" smtClean="0"/>
-              <a:t>&gt;</a:t>
+              <a:t>      Ex:&lt;html&gt;</a:t>
             </a:r>
             <a:br>
               <a:rPr lang="en-US" dirty="0" smtClean="0"/>
             </a:br>
             <a:r>
               <a:rPr lang="en-US" dirty="0" smtClean="0"/>
-              <a:t>      &lt;</a:t>
-            </a:r>
-            <a:r>
-              <a:rPr lang="en-US" dirty="0" smtClean="0"/>
-              <a:t>body&gt;</a:t>
+              <a:t>      &lt;body&gt;</a:t>
             </a:r>
             <a:br>
               <a:rPr lang="en-US" dirty="0" smtClean="0"/>
@@ -5625,11 +5485,7 @@
             </a:br>
             <a:r>
               <a:rPr lang="en-US" dirty="0" smtClean="0"/>
-              <a:t>      &lt;</a:t>
-            </a:r>
-            <a:r>
-              <a:rPr lang="en-US" dirty="0" smtClean="0"/>
-              <a:t>p id="demo"&gt;&lt;/p&gt;</a:t>
+              <a:t>      &lt;p id="demo"&gt;&lt;/p&gt;</a:t>
             </a:r>
             <a:br>
               <a:rPr lang="en-US" dirty="0" smtClean="0"/>
@@ -5643,11 +5499,7 @@
             </a:br>
             <a:r>
               <a:rPr lang="en-US" dirty="0" smtClean="0"/>
-              <a:t>       &lt;</a:t>
-            </a:r>
-            <a:r>
-              <a:rPr lang="en-US" dirty="0" smtClean="0"/>
-              <a:t>script&gt;</a:t>
+              <a:t>       &lt;script&gt;</a:t>
             </a:r>
             <a:br>
               <a:rPr lang="en-US" dirty="0" smtClean="0"/>
@@ -5670,12 +5522,18 @@
             </a:r>
             <a:r>
               <a:rPr lang="en-US" dirty="0" smtClean="0"/>
-              <a:t> = "Hello World</a:t>
-            </a:r>
-            <a:r>
-              <a:rPr lang="en-US" dirty="0" smtClean="0"/>
-              <a:t>!"</a:t>
-            </a:r>
+              <a:t> = "Hello World!"</a:t>
+            </a:r>
+            <a:br>
+              <a:rPr lang="en-US" dirty="0" smtClean="0"/>
+            </a:br>
+            <a:r>
+              <a:rPr lang="en-US" dirty="0" smtClean="0"/>
+              <a:t>       &lt;/script&gt;</a:t>
+            </a:r>
+            <a:br>
+              <a:rPr lang="en-US" dirty="0" smtClean="0"/>
+            </a:br>
             <a:r>
               <a:rPr lang="en-US" dirty="0" smtClean="0"/>
               <a:t/>
@@ -5685,42 +5543,15 @@
             </a:br>
             <a:r>
               <a:rPr lang="en-US" dirty="0" smtClean="0"/>
-              <a:t>       &lt;/</a:t>
-            </a:r>
-            <a:r>
-              <a:rPr lang="en-US" dirty="0" smtClean="0"/>
-              <a:t>script&gt;</a:t>
+              <a:t>        &lt;/body&gt;</a:t>
             </a:r>
             <a:br>
               <a:rPr lang="en-US" dirty="0" smtClean="0"/>
             </a:br>
             <a:r>
               <a:rPr lang="en-US" dirty="0" smtClean="0"/>
-              <a:t/>
-            </a:r>
-            <a:br>
-              <a:rPr lang="en-US" dirty="0" smtClean="0"/>
-            </a:br>
-            <a:r>
-              <a:rPr lang="en-US" dirty="0" smtClean="0"/>
-              <a:t>        &lt;/</a:t>
-            </a:r>
-            <a:r>
-              <a:rPr lang="en-US" dirty="0" smtClean="0"/>
-              <a:t>body&gt;</a:t>
-            </a:r>
-            <a:br>
-              <a:rPr lang="en-US" dirty="0" smtClean="0"/>
-            </a:br>
-            <a:r>
-              <a:rPr lang="en-US" dirty="0" smtClean="0"/>
-              <a:t>         &lt;/</a:t>
-            </a:r>
-            <a:r>
-              <a:rPr lang="en-US" dirty="0" smtClean="0"/>
-              <a:t>html&gt;</a:t>
-            </a:r>
-            <a:endParaRPr lang="en-US" dirty="0" smtClean="0"/>
+              <a:t>         &lt;/html&gt;</a:t>
+            </a:r>
           </a:p>
           <a:p>
             <a:pPr>
@@ -5831,15 +5662,27 @@
               <a:buAutoNum type="arabicPeriod"/>
             </a:pPr>
             <a:r>
-              <a:rPr lang="en-US" dirty="0" smtClean="0">
+              <a:rPr lang="en-US">
                 <a:hlinkClick r:id="rId4"/>
               </a:rPr>
-              <a:t>https://github.com/ManasaGajulavarthy/Nodejs_HMIT</a:t>
-            </a:r>
-            <a:endParaRPr lang="en-US" dirty="0" smtClean="0"/>
-          </a:p>
-          <a:p>
-            <a:pPr marL="514350" indent="-514350">
+              <a:t>https</a:t>
+            </a:r>
+            <a:r>
+              <a:rPr lang="en-US">
+                <a:hlinkClick r:id="rId4"/>
+              </a:rPr>
+              <a:t>://</a:t>
+            </a:r>
+            <a:r>
+              <a:rPr lang="en-US" smtClean="0">
+                <a:hlinkClick r:id="rId4"/>
+              </a:rPr>
+              <a:t>github.com/ManasaGajulavarthy/Intern_HMIT</a:t>
+            </a:r>
+            <a:endParaRPr lang="en-US" smtClean="0"/>
+          </a:p>
+          <a:p>
+            <a:pPr marL="0" indent="0">
               <a:buNone/>
             </a:pPr>
             <a:endParaRPr lang="en-US" dirty="0" smtClean="0"/>
@@ -5940,11 +5783,7 @@
           <a:p>
             <a:r>
               <a:rPr lang="en-US" sz="2800" dirty="0" smtClean="0"/>
-              <a:t>When browsers started supporting DOM(Document Object Model), interaction became more </a:t>
-            </a:r>
-            <a:r>
-              <a:rPr lang="en-US" sz="2800" dirty="0" smtClean="0"/>
-              <a:t>sophisticated and </a:t>
+              <a:t>When browsers started supporting DOM(Document Object Model), interaction became more sophisticated and </a:t>
             </a:r>
             <a:r>
               <a:rPr lang="en-US" sz="2800" dirty="0" err="1" smtClean="0"/>
@@ -5954,7 +5793,6 @@
               <a:rPr lang="en-US" sz="2800" dirty="0" smtClean="0"/>
               <a:t> gained attention.</a:t>
             </a:r>
-            <a:endParaRPr lang="en-US" sz="2800" dirty="0" smtClean="0"/>
           </a:p>
           <a:p>
             <a:r>
@@ -6274,11 +6112,7 @@
           <a:p>
             <a:r>
               <a:rPr lang="en-US" dirty="0" err="1" smtClean="0"/>
-              <a:t>w</a:t>
-            </a:r>
-            <a:r>
-              <a:rPr lang="en-US" dirty="0" err="1" smtClean="0"/>
-              <a:t>indow.alert</a:t>
+              <a:t>window.alert</a:t>
             </a:r>
             <a:r>
               <a:rPr lang="en-US" dirty="0" smtClean="0"/>
@@ -6291,34 +6125,80 @@
             </a:pPr>
             <a:r>
               <a:rPr lang="en-US" dirty="0" smtClean="0"/>
-              <a:t> </a:t>
-            </a:r>
+              <a:t>     Ex: </a:t>
+            </a:r>
+            <a:r>
+              <a:rPr lang="en-US" dirty="0" err="1" smtClean="0"/>
+              <a:t>window.alert</a:t>
+            </a:r>
+            <a:r>
+              <a:rPr lang="en-US" dirty="0" smtClean="0"/>
+              <a:t>(“Hello world”)</a:t>
+            </a:r>
+          </a:p>
+          <a:p>
+            <a:r>
+              <a:rPr lang="en-US" dirty="0" err="1" smtClean="0"/>
+              <a:t>document.write</a:t>
+            </a:r>
+            <a:r>
+              <a:rPr lang="en-US" dirty="0" smtClean="0"/>
+              <a:t>()</a:t>
+            </a:r>
+          </a:p>
+          <a:p>
+            <a:pPr>
+              <a:buNone/>
+            </a:pPr>
+            <a:r>
+              <a:rPr lang="en-US" dirty="0" smtClean="0"/>
+              <a:t>     Ex: </a:t>
+            </a:r>
+            <a:r>
+              <a:rPr lang="en-US" dirty="0" err="1" smtClean="0"/>
+              <a:t>document.write</a:t>
+            </a:r>
+            <a:r>
+              <a:rPr lang="en-US" dirty="0" smtClean="0"/>
+              <a:t>(“Hello world”)</a:t>
+            </a:r>
+          </a:p>
+          <a:p>
+            <a:r>
+              <a:rPr lang="en-US" dirty="0" err="1" smtClean="0"/>
+              <a:t>innerHTML</a:t>
+            </a:r>
+            <a:endParaRPr lang="en-US" dirty="0" smtClean="0"/>
+          </a:p>
+          <a:p>
+            <a:pPr>
+              <a:buNone/>
+            </a:pPr>
             <a:r>
               <a:rPr lang="en-US" dirty="0" smtClean="0"/>
               <a:t>    Ex: </a:t>
             </a:r>
             <a:r>
               <a:rPr lang="en-US" dirty="0" err="1" smtClean="0"/>
-              <a:t>window.alert</a:t>
-            </a:r>
-            <a:r>
-              <a:rPr lang="en-US" dirty="0" smtClean="0"/>
-              <a:t>(“Hello world”)</a:t>
-            </a:r>
-            <a:endParaRPr lang="en-US" dirty="0" smtClean="0"/>
-          </a:p>
-          <a:p>
-            <a:r>
-              <a:rPr lang="en-US" dirty="0" err="1" smtClean="0"/>
-              <a:t>d</a:t>
-            </a:r>
-            <a:r>
-              <a:rPr lang="en-US" dirty="0" err="1" smtClean="0"/>
-              <a:t>ocument.write</a:t>
-            </a:r>
-            <a:r>
-              <a:rPr lang="en-US" dirty="0" smtClean="0"/>
-              <a:t>()</a:t>
+              <a:t>document.getElementById</a:t>
+            </a:r>
+            <a:r>
+              <a:rPr lang="en-US" dirty="0" smtClean="0"/>
+              <a:t>("demo").</a:t>
+            </a:r>
+            <a:r>
+              <a:rPr lang="en-US" dirty="0" err="1" smtClean="0"/>
+              <a:t>innerHTML</a:t>
+            </a:r>
+            <a:r>
+              <a:rPr lang="en-US" dirty="0" smtClean="0"/>
+              <a:t> = "Paragraph changed!"</a:t>
+            </a:r>
+          </a:p>
+          <a:p>
+            <a:r>
+              <a:rPr lang="en-US" dirty="0" smtClean="0"/>
+              <a:t>console.log()</a:t>
             </a:r>
           </a:p>
           <a:p>
@@ -6327,80 +6207,7 @@
             </a:pPr>
             <a:r>
               <a:rPr lang="en-US" dirty="0" smtClean="0"/>
-              <a:t>     Ex: </a:t>
-            </a:r>
-            <a:r>
-              <a:rPr lang="en-US" dirty="0" err="1" smtClean="0"/>
-              <a:t>document.write</a:t>
-            </a:r>
-            <a:r>
-              <a:rPr lang="en-US" dirty="0" smtClean="0"/>
-              <a:t>(“Hello world”)</a:t>
-            </a:r>
-            <a:endParaRPr lang="en-US" dirty="0" smtClean="0"/>
-          </a:p>
-          <a:p>
-            <a:r>
-              <a:rPr lang="en-US" dirty="0" err="1" smtClean="0"/>
-              <a:t>innerHTML</a:t>
-            </a:r>
-            <a:endParaRPr lang="en-US" dirty="0" smtClean="0"/>
-          </a:p>
-          <a:p>
-            <a:pPr>
-              <a:buNone/>
-            </a:pPr>
-            <a:r>
-              <a:rPr lang="en-US" dirty="0" smtClean="0"/>
-              <a:t> </a:t>
-            </a:r>
-            <a:r>
-              <a:rPr lang="en-US" dirty="0" smtClean="0"/>
-              <a:t>   Ex: </a:t>
-            </a:r>
-            <a:r>
-              <a:rPr lang="en-US" dirty="0" err="1" smtClean="0"/>
-              <a:t>document.getElementById</a:t>
-            </a:r>
-            <a:r>
-              <a:rPr lang="en-US" dirty="0" smtClean="0"/>
-              <a:t>("demo").</a:t>
-            </a:r>
-            <a:r>
-              <a:rPr lang="en-US" dirty="0" err="1" smtClean="0"/>
-              <a:t>innerHTML</a:t>
-            </a:r>
-            <a:r>
-              <a:rPr lang="en-US" dirty="0" smtClean="0"/>
-              <a:t> = "Paragraph changed</a:t>
-            </a:r>
-            <a:r>
-              <a:rPr lang="en-US" dirty="0" smtClean="0"/>
-              <a:t>!"</a:t>
-            </a:r>
-            <a:endParaRPr lang="en-US" dirty="0" smtClean="0"/>
-          </a:p>
-          <a:p>
-            <a:r>
-              <a:rPr lang="en-US" dirty="0" smtClean="0"/>
-              <a:t>c</a:t>
-            </a:r>
-            <a:r>
-              <a:rPr lang="en-US" dirty="0" smtClean="0"/>
-              <a:t>onsole.log()</a:t>
-            </a:r>
-          </a:p>
-          <a:p>
-            <a:pPr>
-              <a:buNone/>
-            </a:pPr>
-            <a:r>
-              <a:rPr lang="en-US" dirty="0" smtClean="0"/>
-              <a:t> </a:t>
-            </a:r>
-            <a:r>
-              <a:rPr lang="en-US" dirty="0" smtClean="0"/>
-              <a:t>    Ex: console.log(“Hello”)</a:t>
+              <a:t>     Ex: console.log(“Hello”)</a:t>
             </a:r>
           </a:p>
           <a:p>
@@ -6536,51 +6343,15 @@
               <a:rPr lang="en-US" dirty="0" smtClean="0">
                 <a:sym typeface="Wingdings" pitchFamily="2" charset="2"/>
               </a:rPr>
-              <a:t>, x is used </a:t>
-            </a:r>
+              <a:t>, x is used to store data.</a:t>
+            </a:r>
+          </a:p>
+          <a:p>
             <a:r>
               <a:rPr lang="en-US" dirty="0" smtClean="0">
                 <a:sym typeface="Wingdings" pitchFamily="2" charset="2"/>
               </a:rPr>
-              <a:t>to </a:t>
-            </a:r>
-            <a:r>
-              <a:rPr lang="en-US" dirty="0" smtClean="0">
-                <a:sym typeface="Wingdings" pitchFamily="2" charset="2"/>
-              </a:rPr>
-              <a:t>store data.</a:t>
-            </a:r>
-          </a:p>
-          <a:p>
-            <a:r>
-              <a:rPr lang="en-US" dirty="0" smtClean="0">
-                <a:sym typeface="Wingdings" pitchFamily="2" charset="2"/>
-              </a:rPr>
-              <a:t>Operators : </a:t>
-            </a:r>
-            <a:r>
-              <a:rPr lang="en-US" dirty="0" smtClean="0">
-                <a:sym typeface="Wingdings" pitchFamily="2" charset="2"/>
-              </a:rPr>
-              <a:t>Assignment(=) </a:t>
-            </a:r>
-            <a:r>
-              <a:rPr lang="en-US" dirty="0" smtClean="0">
-                <a:sym typeface="Wingdings" pitchFamily="2" charset="2"/>
-              </a:rPr>
-              <a:t>and </a:t>
-            </a:r>
-            <a:r>
-              <a:rPr lang="en-US" dirty="0" smtClean="0">
-                <a:sym typeface="Wingdings" pitchFamily="2" charset="2"/>
-              </a:rPr>
-              <a:t>arithmetic(+,-,*,%,/) </a:t>
-            </a:r>
-            <a:r>
-              <a:rPr lang="en-US" dirty="0" smtClean="0">
-                <a:sym typeface="Wingdings" pitchFamily="2" charset="2"/>
-              </a:rPr>
-              <a:t>to assign values and perform operations respectively.</a:t>
+              <a:t>Operators : Assignment(=) and arithmetic(+,-,*,%,/) to assign values and perform operations respectively.</a:t>
             </a:r>
           </a:p>
           <a:p>
